--- a/Lecture13/ECE1390_Lecture13.pptx
+++ b/Lecture13/ECE1390_Lecture13.pptx
@@ -5,27 +5,26 @@
     <p:sldMasterId id="2147483648" r:id="rId1"/>
   </p:sldMasterIdLst>
   <p:notesMasterIdLst>
-    <p:notesMasterId r:id="rId20"/>
+    <p:notesMasterId r:id="rId19"/>
   </p:notesMasterIdLst>
   <p:sldIdLst>
     <p:sldId id="258" r:id="rId2"/>
-    <p:sldId id="342" r:id="rId3"/>
-    <p:sldId id="343" r:id="rId4"/>
-    <p:sldId id="344" r:id="rId5"/>
-    <p:sldId id="345" r:id="rId6"/>
-    <p:sldId id="346" r:id="rId7"/>
-    <p:sldId id="347" r:id="rId8"/>
-    <p:sldId id="348" r:id="rId9"/>
-    <p:sldId id="349" r:id="rId10"/>
-    <p:sldId id="350" r:id="rId11"/>
-    <p:sldId id="351" r:id="rId12"/>
-    <p:sldId id="352" r:id="rId13"/>
-    <p:sldId id="356" r:id="rId14"/>
-    <p:sldId id="357" r:id="rId15"/>
-    <p:sldId id="358" r:id="rId16"/>
-    <p:sldId id="359" r:id="rId17"/>
-    <p:sldId id="353" r:id="rId18"/>
-    <p:sldId id="360" r:id="rId19"/>
+    <p:sldId id="343" r:id="rId3"/>
+    <p:sldId id="344" r:id="rId4"/>
+    <p:sldId id="345" r:id="rId5"/>
+    <p:sldId id="346" r:id="rId6"/>
+    <p:sldId id="347" r:id="rId7"/>
+    <p:sldId id="348" r:id="rId8"/>
+    <p:sldId id="349" r:id="rId9"/>
+    <p:sldId id="350" r:id="rId10"/>
+    <p:sldId id="351" r:id="rId11"/>
+    <p:sldId id="352" r:id="rId12"/>
+    <p:sldId id="356" r:id="rId13"/>
+    <p:sldId id="357" r:id="rId14"/>
+    <p:sldId id="358" r:id="rId15"/>
+    <p:sldId id="359" r:id="rId16"/>
+    <p:sldId id="353" r:id="rId17"/>
+    <p:sldId id="360" r:id="rId18"/>
   </p:sldIdLst>
   <p:sldSz cx="12192000" cy="6858000"/>
   <p:notesSz cx="6858000" cy="9144000"/>
@@ -214,7 +213,7 @@
           <a:p>
             <a:fld id="{84B0C249-CFF4-8549-9C1D-83533EF6B8ED}" type="datetimeFigureOut">
               <a:rPr lang="en-US" smtClean="0"/>
-              <a:t>10/16/24</a:t>
+              <a:t>10/6/25</a:t>
             </a:fld>
             <a:endParaRPr lang="en-US"/>
           </a:p>
@@ -628,93 +627,9 @@
           <a:bodyPr/>
           <a:lstStyle/>
           <a:p>
-            <a:fld id="{94B5C116-8FE2-EF4A-B3C0-8D058563571F}" type="slidenum">
-              <a:rPr lang="en-US" smtClean="0"/>
-              <a:t>2</a:t>
-            </a:fld>
-            <a:endParaRPr lang="en-US"/>
-          </a:p>
-        </p:txBody>
-      </p:sp>
-    </p:spTree>
-    <p:extLst>
-      <p:ext uri="{BB962C8B-B14F-4D97-AF65-F5344CB8AC3E}">
-        <p14:creationId xmlns:p14="http://schemas.microsoft.com/office/powerpoint/2010/main" val="1445535354"/>
-      </p:ext>
-    </p:extLst>
-  </p:cSld>
-  <p:clrMapOvr>
-    <a:masterClrMapping/>
-  </p:clrMapOvr>
-</p:notes>
-</file>
-
-<file path=ppt/notesSlides/notesSlide3.xml><?xml version="1.0" encoding="utf-8"?>
-<p:notes xmlns:a="http://schemas.openxmlformats.org/drawingml/2006/main" xmlns:r="http://schemas.openxmlformats.org/officeDocument/2006/relationships" xmlns:p="http://schemas.openxmlformats.org/presentationml/2006/main">
-  <p:cSld>
-    <p:spTree>
-      <p:nvGrpSpPr>
-        <p:cNvPr id="1" name=""/>
-        <p:cNvGrpSpPr/>
-        <p:nvPr/>
-      </p:nvGrpSpPr>
-      <p:grpSpPr>
-        <a:xfrm>
-          <a:off x="0" y="0"/>
-          <a:ext cx="0" cy="0"/>
-          <a:chOff x="0" y="0"/>
-          <a:chExt cx="0" cy="0"/>
-        </a:xfrm>
-      </p:grpSpPr>
-      <p:sp>
-        <p:nvSpPr>
-          <p:cNvPr id="2" name="Slide Image Placeholder 1"/>
-          <p:cNvSpPr>
-            <a:spLocks noGrp="1" noRot="1" noChangeAspect="1"/>
-          </p:cNvSpPr>
-          <p:nvPr>
-            <p:ph type="sldImg"/>
-          </p:nvPr>
-        </p:nvSpPr>
-        <p:spPr/>
-      </p:sp>
-      <p:sp>
-        <p:nvSpPr>
-          <p:cNvPr id="3" name="Notes Placeholder 2"/>
-          <p:cNvSpPr>
-            <a:spLocks noGrp="1"/>
-          </p:cNvSpPr>
-          <p:nvPr>
-            <p:ph type="body" idx="1"/>
-          </p:nvPr>
-        </p:nvSpPr>
-        <p:spPr/>
-        <p:txBody>
-          <a:bodyPr/>
-          <a:lstStyle/>
-          <a:p>
-            <a:endParaRPr lang="en-US" dirty="0"/>
-          </a:p>
-        </p:txBody>
-      </p:sp>
-      <p:sp>
-        <p:nvSpPr>
-          <p:cNvPr id="4" name="Slide Number Placeholder 3"/>
-          <p:cNvSpPr>
-            <a:spLocks noGrp="1"/>
-          </p:cNvSpPr>
-          <p:nvPr>
-            <p:ph type="sldNum" sz="quarter" idx="5"/>
-          </p:nvPr>
-        </p:nvSpPr>
-        <p:spPr/>
-        <p:txBody>
-          <a:bodyPr/>
-          <a:lstStyle/>
-          <a:p>
             <a:fld id="{9AA9E587-C2E9-8941-8108-1A76FC0A75C9}" type="slidenum">
               <a:rPr lang="en-US" smtClean="0"/>
-              <a:t>18</a:t>
+              <a:t>17</a:t>
             </a:fld>
             <a:endParaRPr lang="en-US"/>
           </a:p>
@@ -880,7 +795,7 @@
           <a:p>
             <a:fld id="{13E9B49C-C8FD-4344-8CD3-ED4C91409D68}" type="datetimeFigureOut">
               <a:rPr lang="en-US" smtClean="0"/>
-              <a:t>10/16/24</a:t>
+              <a:t>10/6/25</a:t>
             </a:fld>
             <a:endParaRPr lang="en-US"/>
           </a:p>
@@ -1078,7 +993,7 @@
           <a:p>
             <a:fld id="{13E9B49C-C8FD-4344-8CD3-ED4C91409D68}" type="datetimeFigureOut">
               <a:rPr lang="en-US" smtClean="0"/>
-              <a:t>10/16/24</a:t>
+              <a:t>10/6/25</a:t>
             </a:fld>
             <a:endParaRPr lang="en-US"/>
           </a:p>
@@ -1286,7 +1201,7 @@
           <a:p>
             <a:fld id="{13E9B49C-C8FD-4344-8CD3-ED4C91409D68}" type="datetimeFigureOut">
               <a:rPr lang="en-US" smtClean="0"/>
-              <a:t>10/16/24</a:t>
+              <a:t>10/6/25</a:t>
             </a:fld>
             <a:endParaRPr lang="en-US"/>
           </a:p>
@@ -1484,7 +1399,7 @@
           <a:p>
             <a:fld id="{13E9B49C-C8FD-4344-8CD3-ED4C91409D68}" type="datetimeFigureOut">
               <a:rPr lang="en-US" smtClean="0"/>
-              <a:t>10/16/24</a:t>
+              <a:t>10/6/25</a:t>
             </a:fld>
             <a:endParaRPr lang="en-US"/>
           </a:p>
@@ -1759,7 +1674,7 @@
           <a:p>
             <a:fld id="{13E9B49C-C8FD-4344-8CD3-ED4C91409D68}" type="datetimeFigureOut">
               <a:rPr lang="en-US" smtClean="0"/>
-              <a:t>10/16/24</a:t>
+              <a:t>10/6/25</a:t>
             </a:fld>
             <a:endParaRPr lang="en-US"/>
           </a:p>
@@ -2024,7 +1939,7 @@
           <a:p>
             <a:fld id="{13E9B49C-C8FD-4344-8CD3-ED4C91409D68}" type="datetimeFigureOut">
               <a:rPr lang="en-US" smtClean="0"/>
-              <a:t>10/16/24</a:t>
+              <a:t>10/6/25</a:t>
             </a:fld>
             <a:endParaRPr lang="en-US"/>
           </a:p>
@@ -2436,7 +2351,7 @@
           <a:p>
             <a:fld id="{13E9B49C-C8FD-4344-8CD3-ED4C91409D68}" type="datetimeFigureOut">
               <a:rPr lang="en-US" smtClean="0"/>
-              <a:t>10/16/24</a:t>
+              <a:t>10/6/25</a:t>
             </a:fld>
             <a:endParaRPr lang="en-US"/>
           </a:p>
@@ -2577,7 +2492,7 @@
           <a:p>
             <a:fld id="{13E9B49C-C8FD-4344-8CD3-ED4C91409D68}" type="datetimeFigureOut">
               <a:rPr lang="en-US" smtClean="0"/>
-              <a:t>10/16/24</a:t>
+              <a:t>10/6/25</a:t>
             </a:fld>
             <a:endParaRPr lang="en-US"/>
           </a:p>
@@ -2690,7 +2605,7 @@
           <a:p>
             <a:fld id="{13E9B49C-C8FD-4344-8CD3-ED4C91409D68}" type="datetimeFigureOut">
               <a:rPr lang="en-US" smtClean="0"/>
-              <a:t>10/16/24</a:t>
+              <a:t>10/6/25</a:t>
             </a:fld>
             <a:endParaRPr lang="en-US"/>
           </a:p>
@@ -3001,7 +2916,7 @@
           <a:p>
             <a:fld id="{13E9B49C-C8FD-4344-8CD3-ED4C91409D68}" type="datetimeFigureOut">
               <a:rPr lang="en-US" smtClean="0"/>
-              <a:t>10/16/24</a:t>
+              <a:t>10/6/25</a:t>
             </a:fld>
             <a:endParaRPr lang="en-US"/>
           </a:p>
@@ -3289,7 +3204,7 @@
           <a:p>
             <a:fld id="{13E9B49C-C8FD-4344-8CD3-ED4C91409D68}" type="datetimeFigureOut">
               <a:rPr lang="en-US" smtClean="0"/>
-              <a:t>10/16/24</a:t>
+              <a:t>10/6/25</a:t>
             </a:fld>
             <a:endParaRPr lang="en-US"/>
           </a:p>
@@ -3530,7 +3445,7 @@
           <a:p>
             <a:fld id="{13E9B49C-C8FD-4344-8CD3-ED4C91409D68}" type="datetimeFigureOut">
               <a:rPr lang="en-US" smtClean="0"/>
-              <a:t>10/16/24</a:t>
+              <a:t>10/6/25</a:t>
             </a:fld>
             <a:endParaRPr lang="en-US"/>
           </a:p>
@@ -4450,797 +4365,6 @@
 </file>
 
 <file path=ppt/slides/slide10.xml><?xml version="1.0" encoding="utf-8"?>
-<p:sld xmlns:a="http://schemas.openxmlformats.org/drawingml/2006/main" xmlns:r="http://schemas.openxmlformats.org/officeDocument/2006/relationships" xmlns:p="http://schemas.openxmlformats.org/presentationml/2006/main">
-  <p:cSld>
-    <p:spTree>
-      <p:nvGrpSpPr>
-        <p:cNvPr id="1" name="">
-          <a:extLst>
-            <a:ext uri="{FF2B5EF4-FFF2-40B4-BE49-F238E27FC236}">
-              <a16:creationId xmlns:a16="http://schemas.microsoft.com/office/drawing/2014/main" id="{C522CEBF-ABB1-AB74-E185-B2BB153EB367}"/>
-            </a:ext>
-          </a:extLst>
-        </p:cNvPr>
-        <p:cNvGrpSpPr/>
-        <p:nvPr/>
-      </p:nvGrpSpPr>
-      <p:grpSpPr>
-        <a:xfrm>
-          <a:off x="0" y="0"/>
-          <a:ext cx="0" cy="0"/>
-          <a:chOff x="0" y="0"/>
-          <a:chExt cx="0" cy="0"/>
-        </a:xfrm>
-      </p:grpSpPr>
-      <p:sp>
-        <p:nvSpPr>
-          <p:cNvPr id="2" name="Title 1">
-            <a:extLst>
-              <a:ext uri="{FF2B5EF4-FFF2-40B4-BE49-F238E27FC236}">
-                <a16:creationId xmlns:a16="http://schemas.microsoft.com/office/drawing/2014/main" id="{B90B38E3-4439-0D9B-7D9E-64DABE7EF541}"/>
-              </a:ext>
-            </a:extLst>
-          </p:cNvPr>
-          <p:cNvSpPr>
-            <a:spLocks noGrp="1"/>
-          </p:cNvSpPr>
-          <p:nvPr>
-            <p:ph type="title"/>
-          </p:nvPr>
-        </p:nvSpPr>
-        <p:spPr/>
-        <p:txBody>
-          <a:bodyPr/>
-          <a:lstStyle/>
-          <a:p>
-            <a:r>
-              <a:rPr lang="en-US" dirty="0"/>
-              <a:t>Fourier Optics</a:t>
-            </a:r>
-          </a:p>
-        </p:txBody>
-      </p:sp>
-      <p:sp>
-        <p:nvSpPr>
-          <p:cNvPr id="5" name="Oval 4">
-            <a:extLst>
-              <a:ext uri="{FF2B5EF4-FFF2-40B4-BE49-F238E27FC236}">
-                <a16:creationId xmlns:a16="http://schemas.microsoft.com/office/drawing/2014/main" id="{7E955BC2-F716-25EC-5A3E-6F4F9176C41E}"/>
-              </a:ext>
-            </a:extLst>
-          </p:cNvPr>
-          <p:cNvSpPr/>
-          <p:nvPr/>
-        </p:nvSpPr>
-        <p:spPr>
-          <a:xfrm>
-            <a:off x="4414952" y="3557545"/>
-            <a:ext cx="449580" cy="2971800"/>
-          </a:xfrm>
-          <a:prstGeom prst="ellipse">
-            <a:avLst/>
-          </a:prstGeom>
-          <a:solidFill>
-            <a:schemeClr val="bg1">
-              <a:lumMod val="75000"/>
-              <a:alpha val="43682"/>
-            </a:schemeClr>
-          </a:solidFill>
-        </p:spPr>
-        <p:style>
-          <a:lnRef idx="2">
-            <a:schemeClr val="accent1">
-              <a:shade val="15000"/>
-            </a:schemeClr>
-          </a:lnRef>
-          <a:fillRef idx="1">
-            <a:schemeClr val="accent1"/>
-          </a:fillRef>
-          <a:effectRef idx="0">
-            <a:schemeClr val="accent1"/>
-          </a:effectRef>
-          <a:fontRef idx="minor">
-            <a:schemeClr val="lt1"/>
-          </a:fontRef>
-        </p:style>
-        <p:txBody>
-          <a:bodyPr rtlCol="0" anchor="ctr"/>
-          <a:lstStyle/>
-          <a:p>
-            <a:pPr algn="ctr"/>
-            <a:endParaRPr lang="en-US" dirty="0"/>
-          </a:p>
-        </p:txBody>
-      </p:sp>
-      <p:cxnSp>
-        <p:nvCxnSpPr>
-          <p:cNvPr id="8" name="Straight Connector 7">
-            <a:extLst>
-              <a:ext uri="{FF2B5EF4-FFF2-40B4-BE49-F238E27FC236}">
-                <a16:creationId xmlns:a16="http://schemas.microsoft.com/office/drawing/2014/main" id="{4DBB4496-268A-36C4-28CD-C25FE477F1C8}"/>
-              </a:ext>
-            </a:extLst>
-          </p:cNvPr>
-          <p:cNvCxnSpPr>
-            <a:cxnSpLocks/>
-          </p:cNvCxnSpPr>
-          <p:nvPr/>
-        </p:nvCxnSpPr>
-        <p:spPr>
-          <a:xfrm>
-            <a:off x="681582" y="5004031"/>
-            <a:ext cx="8958255" cy="0"/>
-          </a:xfrm>
-          <a:prstGeom prst="line">
-            <a:avLst/>
-          </a:prstGeom>
-          <a:ln>
-            <a:solidFill>
-              <a:schemeClr val="tx1"/>
-            </a:solidFill>
-          </a:ln>
-        </p:spPr>
-        <p:style>
-          <a:lnRef idx="2">
-            <a:schemeClr val="accent1"/>
-          </a:lnRef>
-          <a:fillRef idx="0">
-            <a:schemeClr val="accent1"/>
-          </a:fillRef>
-          <a:effectRef idx="1">
-            <a:schemeClr val="accent1"/>
-          </a:effectRef>
-          <a:fontRef idx="minor">
-            <a:schemeClr val="tx1"/>
-          </a:fontRef>
-        </p:style>
-      </p:cxnSp>
-      <p:cxnSp>
-        <p:nvCxnSpPr>
-          <p:cNvPr id="26" name="Straight Arrow Connector 25">
-            <a:extLst>
-              <a:ext uri="{FF2B5EF4-FFF2-40B4-BE49-F238E27FC236}">
-                <a16:creationId xmlns:a16="http://schemas.microsoft.com/office/drawing/2014/main" id="{A5F1B8B7-7068-52DE-46B3-3320F9088FE4}"/>
-              </a:ext>
-            </a:extLst>
-          </p:cNvPr>
-          <p:cNvCxnSpPr>
-            <a:cxnSpLocks/>
-          </p:cNvCxnSpPr>
-          <p:nvPr/>
-        </p:nvCxnSpPr>
-        <p:spPr>
-          <a:xfrm>
-            <a:off x="681582" y="5037898"/>
-            <a:ext cx="3958160" cy="1101899"/>
-          </a:xfrm>
-          <a:prstGeom prst="straightConnector1">
-            <a:avLst/>
-          </a:prstGeom>
-          <a:ln>
-            <a:solidFill>
-              <a:schemeClr val="bg1">
-                <a:lumMod val="50000"/>
-              </a:schemeClr>
-            </a:solidFill>
-            <a:tailEnd type="triangle"/>
-          </a:ln>
-        </p:spPr>
-        <p:style>
-          <a:lnRef idx="2">
-            <a:schemeClr val="accent1"/>
-          </a:lnRef>
-          <a:fillRef idx="0">
-            <a:schemeClr val="accent1"/>
-          </a:fillRef>
-          <a:effectRef idx="1">
-            <a:schemeClr val="accent1"/>
-          </a:effectRef>
-          <a:fontRef idx="minor">
-            <a:schemeClr val="tx1"/>
-          </a:fontRef>
-        </p:style>
-      </p:cxnSp>
-      <p:cxnSp>
-        <p:nvCxnSpPr>
-          <p:cNvPr id="28" name="Straight Arrow Connector 27">
-            <a:extLst>
-              <a:ext uri="{FF2B5EF4-FFF2-40B4-BE49-F238E27FC236}">
-                <a16:creationId xmlns:a16="http://schemas.microsoft.com/office/drawing/2014/main" id="{0C63D9C2-BE25-73D2-A737-76AEB1C6944B}"/>
-              </a:ext>
-            </a:extLst>
-          </p:cNvPr>
-          <p:cNvCxnSpPr>
-            <a:cxnSpLocks/>
-          </p:cNvCxnSpPr>
-          <p:nvPr/>
-        </p:nvCxnSpPr>
-        <p:spPr>
-          <a:xfrm flipV="1">
-            <a:off x="681582" y="4030535"/>
-            <a:ext cx="3958160" cy="972150"/>
-          </a:xfrm>
-          <a:prstGeom prst="straightConnector1">
-            <a:avLst/>
-          </a:prstGeom>
-          <a:ln>
-            <a:solidFill>
-              <a:schemeClr val="bg1">
-                <a:lumMod val="50000"/>
-              </a:schemeClr>
-            </a:solidFill>
-            <a:tailEnd type="triangle"/>
-          </a:ln>
-        </p:spPr>
-        <p:style>
-          <a:lnRef idx="2">
-            <a:schemeClr val="accent1"/>
-          </a:lnRef>
-          <a:fillRef idx="0">
-            <a:schemeClr val="accent1"/>
-          </a:fillRef>
-          <a:effectRef idx="1">
-            <a:schemeClr val="accent1"/>
-          </a:effectRef>
-          <a:fontRef idx="minor">
-            <a:schemeClr val="tx1"/>
-          </a:fontRef>
-        </p:style>
-      </p:cxnSp>
-      <p:cxnSp>
-        <p:nvCxnSpPr>
-          <p:cNvPr id="30" name="Straight Arrow Connector 29">
-            <a:extLst>
-              <a:ext uri="{FF2B5EF4-FFF2-40B4-BE49-F238E27FC236}">
-                <a16:creationId xmlns:a16="http://schemas.microsoft.com/office/drawing/2014/main" id="{12DF599A-7267-1B5D-A331-33EA5481B914}"/>
-              </a:ext>
-            </a:extLst>
-          </p:cNvPr>
-          <p:cNvCxnSpPr>
-            <a:cxnSpLocks/>
-          </p:cNvCxnSpPr>
-          <p:nvPr/>
-        </p:nvCxnSpPr>
-        <p:spPr>
-          <a:xfrm>
-            <a:off x="4639742" y="4038379"/>
-            <a:ext cx="3700583" cy="958971"/>
-          </a:xfrm>
-          <a:prstGeom prst="straightConnector1">
-            <a:avLst/>
-          </a:prstGeom>
-          <a:ln>
-            <a:solidFill>
-              <a:srgbClr val="FF0000"/>
-            </a:solidFill>
-            <a:tailEnd type="triangle"/>
-          </a:ln>
-        </p:spPr>
-        <p:style>
-          <a:lnRef idx="2">
-            <a:schemeClr val="accent1"/>
-          </a:lnRef>
-          <a:fillRef idx="0">
-            <a:schemeClr val="accent1"/>
-          </a:fillRef>
-          <a:effectRef idx="1">
-            <a:schemeClr val="accent1"/>
-          </a:effectRef>
-          <a:fontRef idx="minor">
-            <a:schemeClr val="tx1"/>
-          </a:fontRef>
-        </p:style>
-      </p:cxnSp>
-      <p:cxnSp>
-        <p:nvCxnSpPr>
-          <p:cNvPr id="32" name="Straight Arrow Connector 31">
-            <a:extLst>
-              <a:ext uri="{FF2B5EF4-FFF2-40B4-BE49-F238E27FC236}">
-                <a16:creationId xmlns:a16="http://schemas.microsoft.com/office/drawing/2014/main" id="{CA37D8AF-747B-B81C-7874-1E0757AE27E3}"/>
-              </a:ext>
-            </a:extLst>
-          </p:cNvPr>
-          <p:cNvCxnSpPr>
-            <a:cxnSpLocks/>
-          </p:cNvCxnSpPr>
-          <p:nvPr/>
-        </p:nvCxnSpPr>
-        <p:spPr>
-          <a:xfrm flipV="1">
-            <a:off x="4657424" y="5035988"/>
-            <a:ext cx="3677534" cy="1101542"/>
-          </a:xfrm>
-          <a:prstGeom prst="straightConnector1">
-            <a:avLst/>
-          </a:prstGeom>
-          <a:ln>
-            <a:solidFill>
-              <a:srgbClr val="FF0000"/>
-            </a:solidFill>
-            <a:tailEnd type="triangle"/>
-          </a:ln>
-        </p:spPr>
-        <p:style>
-          <a:lnRef idx="2">
-            <a:schemeClr val="accent1"/>
-          </a:lnRef>
-          <a:fillRef idx="0">
-            <a:schemeClr val="accent1"/>
-          </a:fillRef>
-          <a:effectRef idx="1">
-            <a:schemeClr val="accent1"/>
-          </a:effectRef>
-          <a:fontRef idx="minor">
-            <a:schemeClr val="tx1"/>
-          </a:fontRef>
-        </p:style>
-      </p:cxnSp>
-      <p:cxnSp>
-        <p:nvCxnSpPr>
-          <p:cNvPr id="37" name="Straight Arrow Connector 36">
-            <a:extLst>
-              <a:ext uri="{FF2B5EF4-FFF2-40B4-BE49-F238E27FC236}">
-                <a16:creationId xmlns:a16="http://schemas.microsoft.com/office/drawing/2014/main" id="{CFA1ECDC-1938-EB1D-BD02-B233C859F176}"/>
-              </a:ext>
-            </a:extLst>
-          </p:cNvPr>
-          <p:cNvCxnSpPr>
-            <a:cxnSpLocks/>
-          </p:cNvCxnSpPr>
-          <p:nvPr/>
-        </p:nvCxnSpPr>
-        <p:spPr>
-          <a:xfrm>
-            <a:off x="4604431" y="4012985"/>
-            <a:ext cx="5089657" cy="1651834"/>
-          </a:xfrm>
-          <a:prstGeom prst="straightConnector1">
-            <a:avLst/>
-          </a:prstGeom>
-          <a:ln>
-            <a:solidFill>
-              <a:srgbClr val="0070C0"/>
-            </a:solidFill>
-            <a:tailEnd type="triangle"/>
-          </a:ln>
-        </p:spPr>
-        <p:style>
-          <a:lnRef idx="2">
-            <a:schemeClr val="accent1"/>
-          </a:lnRef>
-          <a:fillRef idx="0">
-            <a:schemeClr val="accent1"/>
-          </a:fillRef>
-          <a:effectRef idx="1">
-            <a:schemeClr val="accent1"/>
-          </a:effectRef>
-          <a:fontRef idx="minor">
-            <a:schemeClr val="tx1"/>
-          </a:fontRef>
-        </p:style>
-      </p:cxnSp>
-      <p:cxnSp>
-        <p:nvCxnSpPr>
-          <p:cNvPr id="38" name="Straight Arrow Connector 37">
-            <a:extLst>
-              <a:ext uri="{FF2B5EF4-FFF2-40B4-BE49-F238E27FC236}">
-                <a16:creationId xmlns:a16="http://schemas.microsoft.com/office/drawing/2014/main" id="{961A9AB2-6109-65CA-2913-64ABFBF56A6A}"/>
-              </a:ext>
-            </a:extLst>
-          </p:cNvPr>
-          <p:cNvCxnSpPr>
-            <a:cxnSpLocks/>
-          </p:cNvCxnSpPr>
-          <p:nvPr/>
-        </p:nvCxnSpPr>
-        <p:spPr>
-          <a:xfrm flipV="1">
-            <a:off x="4639742" y="4413161"/>
-            <a:ext cx="4755396" cy="1707098"/>
-          </a:xfrm>
-          <a:prstGeom prst="straightConnector1">
-            <a:avLst/>
-          </a:prstGeom>
-          <a:ln>
-            <a:solidFill>
-              <a:srgbClr val="0070C0"/>
-            </a:solidFill>
-            <a:tailEnd type="triangle"/>
-          </a:ln>
-        </p:spPr>
-        <p:style>
-          <a:lnRef idx="2">
-            <a:schemeClr val="accent1"/>
-          </a:lnRef>
-          <a:fillRef idx="0">
-            <a:schemeClr val="accent1"/>
-          </a:fillRef>
-          <a:effectRef idx="1">
-            <a:schemeClr val="accent1"/>
-          </a:effectRef>
-          <a:fontRef idx="minor">
-            <a:schemeClr val="tx1"/>
-          </a:fontRef>
-        </p:style>
-      </p:cxnSp>
-      <p:sp>
-        <p:nvSpPr>
-          <p:cNvPr id="44" name="TextBox 43">
-            <a:extLst>
-              <a:ext uri="{FF2B5EF4-FFF2-40B4-BE49-F238E27FC236}">
-                <a16:creationId xmlns:a16="http://schemas.microsoft.com/office/drawing/2014/main" id="{7E699986-579F-7D4E-9EC7-85AC16A34756}"/>
-              </a:ext>
-            </a:extLst>
-          </p:cNvPr>
-          <p:cNvSpPr txBox="1"/>
-          <p:nvPr/>
-        </p:nvSpPr>
-        <p:spPr>
-          <a:xfrm>
-            <a:off x="6740255" y="4005721"/>
-            <a:ext cx="3552447" cy="369332"/>
-          </a:xfrm>
-          <a:prstGeom prst="rect">
-            <a:avLst/>
-          </a:prstGeom>
-          <a:noFill/>
-        </p:spPr>
-        <p:txBody>
-          <a:bodyPr wrap="none" rtlCol="0">
-            <a:spAutoFit/>
-          </a:bodyPr>
-          <a:lstStyle/>
-          <a:p>
-            <a:r>
-              <a:rPr lang="en-US" dirty="0"/>
-              <a:t>Wavelength dependent aberration</a:t>
-            </a:r>
-          </a:p>
-        </p:txBody>
-      </p:sp>
-      <p:sp>
-        <p:nvSpPr>
-          <p:cNvPr id="45" name="Right Brace 44">
-            <a:extLst>
-              <a:ext uri="{FF2B5EF4-FFF2-40B4-BE49-F238E27FC236}">
-                <a16:creationId xmlns:a16="http://schemas.microsoft.com/office/drawing/2014/main" id="{6229FC3D-BBE1-2E64-C28A-423A4676EE96}"/>
-              </a:ext>
-            </a:extLst>
-          </p:cNvPr>
-          <p:cNvSpPr/>
-          <p:nvPr/>
-        </p:nvSpPr>
-        <p:spPr>
-          <a:xfrm rot="16200000">
-            <a:off x="7776572" y="4330198"/>
-            <a:ext cx="566670" cy="695458"/>
-          </a:xfrm>
-          <a:prstGeom prst="rightBrace">
-            <a:avLst/>
-          </a:prstGeom>
-        </p:spPr>
-        <p:style>
-          <a:lnRef idx="2">
-            <a:schemeClr val="accent1"/>
-          </a:lnRef>
-          <a:fillRef idx="0">
-            <a:schemeClr val="accent1"/>
-          </a:fillRef>
-          <a:effectRef idx="1">
-            <a:schemeClr val="accent1"/>
-          </a:effectRef>
-          <a:fontRef idx="minor">
-            <a:schemeClr val="tx1"/>
-          </a:fontRef>
-        </p:style>
-        <p:txBody>
-          <a:bodyPr rtlCol="0" anchor="ctr"/>
-          <a:lstStyle/>
-          <a:p>
-            <a:pPr algn="ctr"/>
-            <a:endParaRPr lang="en-US"/>
-          </a:p>
-        </p:txBody>
-      </p:sp>
-      <p:cxnSp>
-        <p:nvCxnSpPr>
-          <p:cNvPr id="54" name="Straight Arrow Connector 53">
-            <a:extLst>
-              <a:ext uri="{FF2B5EF4-FFF2-40B4-BE49-F238E27FC236}">
-                <a16:creationId xmlns:a16="http://schemas.microsoft.com/office/drawing/2014/main" id="{F5A1E2DC-61B7-EDA2-1929-31675E61655B}"/>
-              </a:ext>
-            </a:extLst>
-          </p:cNvPr>
-          <p:cNvCxnSpPr>
-            <a:cxnSpLocks/>
-          </p:cNvCxnSpPr>
-          <p:nvPr/>
-        </p:nvCxnSpPr>
-        <p:spPr>
-          <a:xfrm>
-            <a:off x="4604431" y="4038379"/>
-            <a:ext cx="5080482" cy="1419746"/>
-          </a:xfrm>
-          <a:prstGeom prst="straightConnector1">
-            <a:avLst/>
-          </a:prstGeom>
-          <a:ln>
-            <a:solidFill>
-              <a:srgbClr val="00B050"/>
-            </a:solidFill>
-            <a:tailEnd type="triangle"/>
-          </a:ln>
-        </p:spPr>
-        <p:style>
-          <a:lnRef idx="2">
-            <a:schemeClr val="accent1"/>
-          </a:lnRef>
-          <a:fillRef idx="0">
-            <a:schemeClr val="accent1"/>
-          </a:fillRef>
-          <a:effectRef idx="1">
-            <a:schemeClr val="accent1"/>
-          </a:effectRef>
-          <a:fontRef idx="minor">
-            <a:schemeClr val="tx1"/>
-          </a:fontRef>
-        </p:style>
-      </p:cxnSp>
-      <p:cxnSp>
-        <p:nvCxnSpPr>
-          <p:cNvPr id="55" name="Straight Arrow Connector 54">
-            <a:extLst>
-              <a:ext uri="{FF2B5EF4-FFF2-40B4-BE49-F238E27FC236}">
-                <a16:creationId xmlns:a16="http://schemas.microsoft.com/office/drawing/2014/main" id="{A810DDC9-CE0E-2329-874C-8FBB8C62ABA4}"/>
-              </a:ext>
-            </a:extLst>
-          </p:cNvPr>
-          <p:cNvCxnSpPr>
-            <a:cxnSpLocks/>
-          </p:cNvCxnSpPr>
-          <p:nvPr/>
-        </p:nvCxnSpPr>
-        <p:spPr>
-          <a:xfrm flipV="1">
-            <a:off x="4657424" y="4586661"/>
-            <a:ext cx="4940662" cy="1505907"/>
-          </a:xfrm>
-          <a:prstGeom prst="straightConnector1">
-            <a:avLst/>
-          </a:prstGeom>
-          <a:ln>
-            <a:solidFill>
-              <a:srgbClr val="00B050"/>
-            </a:solidFill>
-            <a:tailEnd type="triangle"/>
-          </a:ln>
-        </p:spPr>
-        <p:style>
-          <a:lnRef idx="2">
-            <a:schemeClr val="accent1"/>
-          </a:lnRef>
-          <a:fillRef idx="0">
-            <a:schemeClr val="accent1"/>
-          </a:fillRef>
-          <a:effectRef idx="1">
-            <a:schemeClr val="accent1"/>
-          </a:effectRef>
-          <a:fontRef idx="minor">
-            <a:schemeClr val="tx1"/>
-          </a:fontRef>
-        </p:style>
-      </p:cxnSp>
-      <p:cxnSp>
-        <p:nvCxnSpPr>
-          <p:cNvPr id="9" name="Straight Connector 8">
-            <a:extLst>
-              <a:ext uri="{FF2B5EF4-FFF2-40B4-BE49-F238E27FC236}">
-                <a16:creationId xmlns:a16="http://schemas.microsoft.com/office/drawing/2014/main" id="{6267D498-85F9-81F3-9D1C-BF9E51F8DD2C}"/>
-              </a:ext>
-            </a:extLst>
-          </p:cNvPr>
-          <p:cNvCxnSpPr/>
-          <p:nvPr/>
-        </p:nvCxnSpPr>
-        <p:spPr>
-          <a:xfrm>
-            <a:off x="8110793" y="3655746"/>
-            <a:ext cx="45076" cy="2775397"/>
-          </a:xfrm>
-          <a:prstGeom prst="line">
-            <a:avLst/>
-          </a:prstGeom>
-          <a:ln>
-            <a:solidFill>
-              <a:schemeClr val="tx1">
-                <a:lumMod val="65000"/>
-                <a:lumOff val="35000"/>
-              </a:schemeClr>
-            </a:solidFill>
-            <a:prstDash val="sysDot"/>
-          </a:ln>
-        </p:spPr>
-        <p:style>
-          <a:lnRef idx="2">
-            <a:schemeClr val="accent1"/>
-          </a:lnRef>
-          <a:fillRef idx="0">
-            <a:schemeClr val="accent1"/>
-          </a:fillRef>
-          <a:effectRef idx="1">
-            <a:schemeClr val="accent1"/>
-          </a:effectRef>
-          <a:fontRef idx="minor">
-            <a:schemeClr val="tx1"/>
-          </a:fontRef>
-        </p:style>
-      </p:cxnSp>
-      <p:sp>
-        <p:nvSpPr>
-          <p:cNvPr id="22" name="TextBox 21">
-            <a:extLst>
-              <a:ext uri="{FF2B5EF4-FFF2-40B4-BE49-F238E27FC236}">
-                <a16:creationId xmlns:a16="http://schemas.microsoft.com/office/drawing/2014/main" id="{F1BAEB13-E84C-ECD5-188A-2A836AF070EA}"/>
-              </a:ext>
-            </a:extLst>
-          </p:cNvPr>
-          <p:cNvSpPr txBox="1"/>
-          <p:nvPr/>
-        </p:nvSpPr>
-        <p:spPr>
-          <a:xfrm>
-            <a:off x="8850577" y="3653696"/>
-            <a:ext cx="1385316" cy="246221"/>
-          </a:xfrm>
-          <a:prstGeom prst="rect">
-            <a:avLst/>
-          </a:prstGeom>
-          <a:noFill/>
-        </p:spPr>
-        <p:txBody>
-          <a:bodyPr wrap="none" rtlCol="0">
-            <a:spAutoFit/>
-          </a:bodyPr>
-          <a:lstStyle/>
-          <a:p>
-            <a:r>
-              <a:rPr lang="en-US" sz="1000" i="1" dirty="0"/>
-              <a:t>Image from Wikipedia</a:t>
-            </a:r>
-          </a:p>
-        </p:txBody>
-      </p:sp>
-      <p:sp>
-        <p:nvSpPr>
-          <p:cNvPr id="33" name="TextBox 32">
-            <a:extLst>
-              <a:ext uri="{FF2B5EF4-FFF2-40B4-BE49-F238E27FC236}">
-                <a16:creationId xmlns:a16="http://schemas.microsoft.com/office/drawing/2014/main" id="{F7F96D9A-A888-599B-92F9-258D0614FE7F}"/>
-              </a:ext>
-            </a:extLst>
-          </p:cNvPr>
-          <p:cNvSpPr txBox="1"/>
-          <p:nvPr/>
-        </p:nvSpPr>
-        <p:spPr>
-          <a:xfrm>
-            <a:off x="699264" y="1849607"/>
-            <a:ext cx="3073727" cy="461665"/>
-          </a:xfrm>
-          <a:prstGeom prst="rect">
-            <a:avLst/>
-          </a:prstGeom>
-          <a:noFill/>
-        </p:spPr>
-        <p:txBody>
-          <a:bodyPr wrap="none" rtlCol="0">
-            <a:spAutoFit/>
-          </a:bodyPr>
-          <a:lstStyle/>
-          <a:p>
-            <a:r>
-              <a:rPr lang="en-US" sz="2400" dirty="0"/>
-              <a:t>Chromatic aberration</a:t>
-            </a:r>
-          </a:p>
-        </p:txBody>
-      </p:sp>
-      <p:pic>
-        <p:nvPicPr>
-          <p:cNvPr id="7170" name="Picture 2" descr="undefined">
-            <a:extLst>
-              <a:ext uri="{FF2B5EF4-FFF2-40B4-BE49-F238E27FC236}">
-                <a16:creationId xmlns:a16="http://schemas.microsoft.com/office/drawing/2014/main" id="{F7D51880-4A1B-2C1C-48BF-1796F78C5089}"/>
-              </a:ext>
-            </a:extLst>
-          </p:cNvPr>
-          <p:cNvPicPr>
-            <a:picLocks noChangeAspect="1" noChangeArrowheads="1"/>
-          </p:cNvPicPr>
-          <p:nvPr/>
-        </p:nvPicPr>
-        <p:blipFill>
-          <a:blip r:embed="rId2">
-            <a:extLst>
-              <a:ext uri="{28A0092B-C50C-407E-A947-70E740481C1C}">
-                <a14:useLocalDpi xmlns:a14="http://schemas.microsoft.com/office/drawing/2010/main" val="0"/>
-              </a:ext>
-            </a:extLst>
-          </a:blip>
-          <a:srcRect/>
-          <a:stretch>
-            <a:fillRect/>
-          </a:stretch>
-        </p:blipFill>
-        <p:spPr bwMode="auto">
-          <a:xfrm>
-            <a:off x="6490033" y="1130650"/>
-            <a:ext cx="3189228" cy="2555906"/>
-          </a:xfrm>
-          <a:prstGeom prst="rect">
-            <a:avLst/>
-          </a:prstGeom>
-          <a:noFill/>
-          <a:extLst>
-            <a:ext uri="{909E8E84-426E-40DD-AFC4-6F175D3DCCD1}">
-              <a14:hiddenFill xmlns:a14="http://schemas.microsoft.com/office/drawing/2010/main">
-                <a:solidFill>
-                  <a:srgbClr val="FFFFFF"/>
-                </a:solidFill>
-              </a14:hiddenFill>
-            </a:ext>
-          </a:extLst>
-        </p:spPr>
-      </p:pic>
-      <p:sp>
-        <p:nvSpPr>
-          <p:cNvPr id="42" name="TextBox 41">
-            <a:extLst>
-              <a:ext uri="{FF2B5EF4-FFF2-40B4-BE49-F238E27FC236}">
-                <a16:creationId xmlns:a16="http://schemas.microsoft.com/office/drawing/2014/main" id="{876ABB10-B476-DA6F-E40F-90A388D67D2D}"/>
-              </a:ext>
-            </a:extLst>
-          </p:cNvPr>
-          <p:cNvSpPr txBox="1"/>
-          <p:nvPr/>
-        </p:nvSpPr>
-        <p:spPr>
-          <a:xfrm>
-            <a:off x="7416085" y="5688087"/>
-            <a:ext cx="1551259" cy="369332"/>
-          </a:xfrm>
-          <a:prstGeom prst="rect">
-            <a:avLst/>
-          </a:prstGeom>
-          <a:noFill/>
-        </p:spPr>
-        <p:txBody>
-          <a:bodyPr wrap="none" rtlCol="0">
-            <a:spAutoFit/>
-          </a:bodyPr>
-          <a:lstStyle/>
-          <a:p>
-            <a:r>
-              <a:rPr lang="en-US" dirty="0"/>
-              <a:t>V-I-B-G-Y-O-R</a:t>
-            </a:r>
-          </a:p>
-        </p:txBody>
-      </p:sp>
-    </p:spTree>
-    <p:extLst>
-      <p:ext uri="{BB962C8B-B14F-4D97-AF65-F5344CB8AC3E}">
-        <p14:creationId xmlns:p14="http://schemas.microsoft.com/office/powerpoint/2010/main" val="243307363"/>
-      </p:ext>
-    </p:extLst>
-  </p:cSld>
-  <p:clrMapOvr>
-    <a:masterClrMapping/>
-  </p:clrMapOvr>
-</p:sld>
-</file>
-
-<file path=ppt/slides/slide11.xml><?xml version="1.0" encoding="utf-8"?>
 <p:sld xmlns:a="http://schemas.openxmlformats.org/drawingml/2006/main" xmlns:r="http://schemas.openxmlformats.org/officeDocument/2006/relationships" xmlns:p="http://schemas.openxmlformats.org/presentationml/2006/main">
   <p:cSld>
     <p:spTree>
@@ -9120,7 +8244,7 @@
 </p:sld>
 </file>
 
-<file path=ppt/slides/slide12.xml><?xml version="1.0" encoding="utf-8"?>
+<file path=ppt/slides/slide11.xml><?xml version="1.0" encoding="utf-8"?>
 <p:sld xmlns:a="http://schemas.openxmlformats.org/drawingml/2006/main" xmlns:r="http://schemas.openxmlformats.org/officeDocument/2006/relationships" xmlns:p="http://schemas.openxmlformats.org/presentationml/2006/main">
   <p:cSld>
     <p:spTree>
@@ -9582,7 +8706,7 @@
 </p:sld>
 </file>
 
-<file path=ppt/slides/slide13.xml><?xml version="1.0" encoding="utf-8"?>
+<file path=ppt/slides/slide12.xml><?xml version="1.0" encoding="utf-8"?>
 <p:sld xmlns:a="http://schemas.openxmlformats.org/drawingml/2006/main" xmlns:r="http://schemas.openxmlformats.org/officeDocument/2006/relationships" xmlns:p="http://schemas.openxmlformats.org/presentationml/2006/main">
   <p:cSld>
     <p:spTree>
@@ -13753,7 +12877,7 @@
 </p:sld>
 </file>
 
-<file path=ppt/slides/slide14.xml><?xml version="1.0" encoding="utf-8"?>
+<file path=ppt/slides/slide13.xml><?xml version="1.0" encoding="utf-8"?>
 <p:sld xmlns:a="http://schemas.openxmlformats.org/drawingml/2006/main" xmlns:r="http://schemas.openxmlformats.org/officeDocument/2006/relationships" xmlns:p="http://schemas.openxmlformats.org/presentationml/2006/main">
   <p:cSld>
     <p:spTree>
@@ -15598,7 +14722,7 @@
 </p:sld>
 </file>
 
-<file path=ppt/slides/slide15.xml><?xml version="1.0" encoding="utf-8"?>
+<file path=ppt/slides/slide14.xml><?xml version="1.0" encoding="utf-8"?>
 <p:sld xmlns:a="http://schemas.openxmlformats.org/drawingml/2006/main" xmlns:r="http://schemas.openxmlformats.org/officeDocument/2006/relationships" xmlns:p="http://schemas.openxmlformats.org/presentationml/2006/main">
   <p:cSld>
     <p:spTree>
@@ -17443,7 +16567,7 @@
 </p:sld>
 </file>
 
-<file path=ppt/slides/slide16.xml><?xml version="1.0" encoding="utf-8"?>
+<file path=ppt/slides/slide15.xml><?xml version="1.0" encoding="utf-8"?>
 <p:sld xmlns:a="http://schemas.openxmlformats.org/drawingml/2006/main" xmlns:r="http://schemas.openxmlformats.org/officeDocument/2006/relationships" xmlns:p="http://schemas.openxmlformats.org/presentationml/2006/main">
   <p:cSld>
     <p:spTree>
@@ -19865,7 +18989,7 @@
 </p:sld>
 </file>
 
-<file path=ppt/slides/slide17.xml><?xml version="1.0" encoding="utf-8"?>
+<file path=ppt/slides/slide16.xml><?xml version="1.0" encoding="utf-8"?>
 <p:sld xmlns:a="http://schemas.openxmlformats.org/drawingml/2006/main" xmlns:r="http://schemas.openxmlformats.org/officeDocument/2006/relationships" xmlns:p="http://schemas.openxmlformats.org/presentationml/2006/main">
   <p:cSld>
     <p:spTree>
@@ -20539,7 +19663,7 @@
 </p:sld>
 </file>
 
-<file path=ppt/slides/slide18.xml><?xml version="1.0" encoding="utf-8"?>
+<file path=ppt/slides/slide17.xml><?xml version="1.0" encoding="utf-8"?>
 <p:sld xmlns:a="http://schemas.openxmlformats.org/drawingml/2006/main" xmlns:r="http://schemas.openxmlformats.org/officeDocument/2006/relationships" xmlns:p="http://schemas.openxmlformats.org/presentationml/2006/main">
   <p:cSld>
     <p:spTree>
@@ -21281,3281 +20405,6 @@
 </file>
 
 <file path=ppt/slides/slide2.xml><?xml version="1.0" encoding="utf-8"?>
-<p:sld xmlns:a="http://schemas.openxmlformats.org/drawingml/2006/main" xmlns:r="http://schemas.openxmlformats.org/officeDocument/2006/relationships" xmlns:p="http://schemas.openxmlformats.org/presentationml/2006/main">
-  <p:cSld>
-    <p:spTree>
-      <p:nvGrpSpPr>
-        <p:cNvPr id="1" name=""/>
-        <p:cNvGrpSpPr/>
-        <p:nvPr/>
-      </p:nvGrpSpPr>
-      <p:grpSpPr>
-        <a:xfrm>
-          <a:off x="0" y="0"/>
-          <a:ext cx="0" cy="0"/>
-          <a:chOff x="0" y="0"/>
-          <a:chExt cx="0" cy="0"/>
-        </a:xfrm>
-      </p:grpSpPr>
-      <p:graphicFrame>
-        <p:nvGraphicFramePr>
-          <p:cNvPr id="4" name="Table 3">
-            <a:extLst>
-              <a:ext uri="{FF2B5EF4-FFF2-40B4-BE49-F238E27FC236}">
-                <a16:creationId xmlns:a16="http://schemas.microsoft.com/office/drawing/2014/main" id="{EFA1DD2F-829D-1A0C-E099-9D2666DE7CDD}"/>
-              </a:ext>
-            </a:extLst>
-          </p:cNvPr>
-          <p:cNvGraphicFramePr>
-            <a:graphicFrameLocks noGrp="1"/>
-          </p:cNvGraphicFramePr>
-          <p:nvPr>
-            <p:extLst>
-              <p:ext uri="{D42A27DB-BD31-4B8C-83A1-F6EECF244321}">
-                <p14:modId xmlns:p14="http://schemas.microsoft.com/office/powerpoint/2010/main" val="626336629"/>
-              </p:ext>
-            </p:extLst>
-          </p:nvPr>
-        </p:nvGraphicFramePr>
-        <p:xfrm>
-          <a:off x="564789" y="1202508"/>
-          <a:ext cx="11062421" cy="5379444"/>
-        </p:xfrm>
-        <a:graphic>
-          <a:graphicData uri="http://schemas.openxmlformats.org/drawingml/2006/table">
-            <a:tbl>
-              <a:tblPr/>
-              <a:tblGrid>
-                <a:gridCol w="715660">
-                  <a:extLst>
-                    <a:ext uri="{9D8B030D-6E8A-4147-A177-3AD203B41FA5}">
-                      <a16:colId xmlns:a16="http://schemas.microsoft.com/office/drawing/2014/main" val="2794491609"/>
-                    </a:ext>
-                  </a:extLst>
-                </a:gridCol>
-                <a:gridCol w="1570340">
-                  <a:extLst>
-                    <a:ext uri="{9D8B030D-6E8A-4147-A177-3AD203B41FA5}">
-                      <a16:colId xmlns:a16="http://schemas.microsoft.com/office/drawing/2014/main" val="1747983715"/>
-                    </a:ext>
-                  </a:extLst>
-                </a:gridCol>
-                <a:gridCol w="3436883">
-                  <a:extLst>
-                    <a:ext uri="{9D8B030D-6E8A-4147-A177-3AD203B41FA5}">
-                      <a16:colId xmlns:a16="http://schemas.microsoft.com/office/drawing/2014/main" val="1415124489"/>
-                    </a:ext>
-                  </a:extLst>
-                </a:gridCol>
-                <a:gridCol w="3026980">
-                  <a:extLst>
-                    <a:ext uri="{9D8B030D-6E8A-4147-A177-3AD203B41FA5}">
-                      <a16:colId xmlns:a16="http://schemas.microsoft.com/office/drawing/2014/main" val="917873486"/>
-                    </a:ext>
-                  </a:extLst>
-                </a:gridCol>
-                <a:gridCol w="2312558">
-                  <a:extLst>
-                    <a:ext uri="{9D8B030D-6E8A-4147-A177-3AD203B41FA5}">
-                      <a16:colId xmlns:a16="http://schemas.microsoft.com/office/drawing/2014/main" val="2083092539"/>
-                    </a:ext>
-                  </a:extLst>
-                </a:gridCol>
-              </a:tblGrid>
-              <a:tr h="151505">
-                <a:tc>
-                  <a:txBody>
-                    <a:bodyPr/>
-                    <a:lstStyle/>
-                    <a:p>
-                      <a:r>
-                        <a:rPr lang="en-US" sz="1800" b="1">
-                          <a:effectLst/>
-                        </a:rPr>
-                        <a:t>Week</a:t>
-                      </a:r>
-                      <a:endParaRPr lang="en-US" sz="1800">
-                        <a:effectLst/>
-                      </a:endParaRPr>
-                    </a:p>
-                  </a:txBody>
-                  <a:tcPr marL="4649" marR="4649" marT="4649" marB="4649" anchor="ctr">
-                    <a:lnL>
-                      <a:noFill/>
-                    </a:lnL>
-                    <a:lnR>
-                      <a:noFill/>
-                    </a:lnR>
-                    <a:lnT>
-                      <a:noFill/>
-                    </a:lnT>
-                    <a:lnB>
-                      <a:noFill/>
-                    </a:lnB>
-                    <a:solidFill>
-                      <a:srgbClr val="FFFFFF"/>
-                    </a:solidFill>
-                  </a:tcPr>
-                </a:tc>
-                <a:tc>
-                  <a:txBody>
-                    <a:bodyPr/>
-                    <a:lstStyle/>
-                    <a:p>
-                      <a:r>
-                        <a:rPr lang="en-US" sz="1800" b="1">
-                          <a:effectLst/>
-                        </a:rPr>
-                        <a:t>Date</a:t>
-                      </a:r>
-                      <a:endParaRPr lang="en-US" sz="1800">
-                        <a:effectLst/>
-                      </a:endParaRPr>
-                    </a:p>
-                  </a:txBody>
-                  <a:tcPr marL="4649" marR="4649" marT="4649" marB="4649" anchor="ctr">
-                    <a:lnL>
-                      <a:noFill/>
-                    </a:lnL>
-                    <a:lnR>
-                      <a:noFill/>
-                    </a:lnR>
-                    <a:lnT>
-                      <a:noFill/>
-                    </a:lnT>
-                    <a:lnB>
-                      <a:noFill/>
-                    </a:lnB>
-                    <a:solidFill>
-                      <a:srgbClr val="FFFFFF"/>
-                    </a:solidFill>
-                  </a:tcPr>
-                </a:tc>
-                <a:tc>
-                  <a:txBody>
-                    <a:bodyPr/>
-                    <a:lstStyle/>
-                    <a:p>
-                      <a:r>
-                        <a:rPr lang="en-US" sz="1800" b="1">
-                          <a:effectLst/>
-                        </a:rPr>
-                        <a:t>Topic</a:t>
-                      </a:r>
-                      <a:endParaRPr lang="en-US" sz="1800">
-                        <a:effectLst/>
-                      </a:endParaRPr>
-                    </a:p>
-                  </a:txBody>
-                  <a:tcPr marL="4649" marR="4649" marT="4649" marB="4649" anchor="ctr">
-                    <a:lnL>
-                      <a:noFill/>
-                    </a:lnL>
-                    <a:lnR>
-                      <a:noFill/>
-                    </a:lnR>
-                    <a:lnT>
-                      <a:noFill/>
-                    </a:lnT>
-                    <a:lnB>
-                      <a:noFill/>
-                    </a:lnB>
-                    <a:solidFill>
-                      <a:srgbClr val="FFFFFF"/>
-                    </a:solidFill>
-                  </a:tcPr>
-                </a:tc>
-                <a:tc>
-                  <a:txBody>
-                    <a:bodyPr/>
-                    <a:lstStyle/>
-                    <a:p>
-                      <a:r>
-                        <a:rPr lang="en-US" sz="1800" b="1" dirty="0">
-                          <a:effectLst/>
-                        </a:rPr>
-                        <a:t>In class work</a:t>
-                      </a:r>
-                      <a:endParaRPr lang="en-US" sz="1800" dirty="0">
-                        <a:effectLst/>
-                      </a:endParaRPr>
-                    </a:p>
-                  </a:txBody>
-                  <a:tcPr marL="4649" marR="4649" marT="4649" marB="4649" anchor="ctr">
-                    <a:lnL>
-                      <a:noFill/>
-                    </a:lnL>
-                    <a:lnR>
-                      <a:noFill/>
-                    </a:lnR>
-                    <a:lnT>
-                      <a:noFill/>
-                    </a:lnT>
-                    <a:lnB>
-                      <a:noFill/>
-                    </a:lnB>
-                    <a:solidFill>
-                      <a:srgbClr val="FFFFFF"/>
-                    </a:solidFill>
-                  </a:tcPr>
-                </a:tc>
-                <a:tc>
-                  <a:txBody>
-                    <a:bodyPr/>
-                    <a:lstStyle/>
-                    <a:p>
-                      <a:r>
-                        <a:rPr lang="en-US" sz="1800" b="1" dirty="0">
-                          <a:effectLst/>
-                        </a:rPr>
-                        <a:t>Due date</a:t>
-                      </a:r>
-                    </a:p>
-                  </a:txBody>
-                  <a:tcPr marL="4649" marR="4649" marT="4649" marB="4649" anchor="ctr">
-                    <a:lnL>
-                      <a:noFill/>
-                    </a:lnL>
-                    <a:lnR>
-                      <a:noFill/>
-                    </a:lnR>
-                    <a:lnT>
-                      <a:noFill/>
-                    </a:lnT>
-                    <a:lnB>
-                      <a:noFill/>
-                    </a:lnB>
-                    <a:solidFill>
-                      <a:srgbClr val="FFFFFF"/>
-                    </a:solidFill>
-                  </a:tcPr>
-                </a:tc>
-                <a:extLst>
-                  <a:ext uri="{0D108BD9-81ED-4DB2-BD59-A6C34878D82A}">
-                    <a16:rowId xmlns:a16="http://schemas.microsoft.com/office/drawing/2014/main" val="821601634"/>
-                  </a:ext>
-                </a:extLst>
-              </a:tr>
-              <a:tr h="191244">
-                <a:tc>
-                  <a:txBody>
-                    <a:bodyPr/>
-                    <a:lstStyle/>
-                    <a:p>
-                      <a:r>
-                        <a:rPr lang="en-US" sz="1800" dirty="0">
-                          <a:effectLst/>
-                        </a:rPr>
-                        <a:t>8</a:t>
-                      </a:r>
-                    </a:p>
-                  </a:txBody>
-                  <a:tcPr marL="4649" marR="4649" marT="4649" marB="4649" anchor="ctr">
-                    <a:lnL>
-                      <a:noFill/>
-                    </a:lnL>
-                    <a:lnR>
-                      <a:noFill/>
-                    </a:lnR>
-                    <a:lnT>
-                      <a:noFill/>
-                    </a:lnT>
-                    <a:lnB>
-                      <a:noFill/>
-                    </a:lnB>
-                    <a:solidFill>
-                      <a:srgbClr val="FFFFFF"/>
-                    </a:solidFill>
-                  </a:tcPr>
-                </a:tc>
-                <a:tc>
-                  <a:txBody>
-                    <a:bodyPr/>
-                    <a:lstStyle/>
-                    <a:p>
-                      <a:r>
-                        <a:rPr lang="en-US" sz="1800" dirty="0">
-                          <a:effectLst/>
-                        </a:rPr>
-                        <a:t>10/14/2024</a:t>
-                      </a:r>
-                    </a:p>
-                  </a:txBody>
-                  <a:tcPr marL="4649" marR="4649" marT="4649" marB="4649" anchor="ctr">
-                    <a:lnL>
-                      <a:noFill/>
-                    </a:lnL>
-                    <a:lnR>
-                      <a:noFill/>
-                    </a:lnR>
-                    <a:lnT>
-                      <a:noFill/>
-                    </a:lnT>
-                    <a:lnB>
-                      <a:noFill/>
-                    </a:lnB>
-                    <a:solidFill>
-                      <a:srgbClr val="FFFFFF"/>
-                    </a:solidFill>
-                  </a:tcPr>
-                </a:tc>
-                <a:tc>
-                  <a:txBody>
-                    <a:bodyPr/>
-                    <a:lstStyle/>
-                    <a:p>
-                      <a:r>
-                        <a:rPr lang="en-US" sz="1800" dirty="0">
-                          <a:effectLst/>
-                        </a:rPr>
-                        <a:t>FALL Break [No Class]</a:t>
-                      </a:r>
-                    </a:p>
-                  </a:txBody>
-                  <a:tcPr marL="4649" marR="4649" marT="4649" marB="4649" anchor="ctr">
-                    <a:lnL>
-                      <a:noFill/>
-                    </a:lnL>
-                    <a:lnR>
-                      <a:noFill/>
-                    </a:lnR>
-                    <a:lnT>
-                      <a:noFill/>
-                    </a:lnT>
-                    <a:lnB>
-                      <a:noFill/>
-                    </a:lnB>
-                    <a:solidFill>
-                      <a:srgbClr val="FFFFFF"/>
-                    </a:solidFill>
-                  </a:tcPr>
-                </a:tc>
-                <a:tc>
-                  <a:txBody>
-                    <a:bodyPr/>
-                    <a:lstStyle/>
-                    <a:p>
-                      <a:endParaRPr lang="en-US" sz="1800" dirty="0">
-                        <a:effectLst/>
-                      </a:endParaRPr>
-                    </a:p>
-                  </a:txBody>
-                  <a:tcPr marL="4649" marR="4649" marT="4649" marB="4649" anchor="ctr">
-                    <a:lnL>
-                      <a:noFill/>
-                    </a:lnL>
-                    <a:lnR>
-                      <a:noFill/>
-                    </a:lnR>
-                    <a:lnT>
-                      <a:noFill/>
-                    </a:lnT>
-                    <a:lnB>
-                      <a:noFill/>
-                    </a:lnB>
-                    <a:solidFill>
-                      <a:srgbClr val="FFFFFF"/>
-                    </a:solidFill>
-                  </a:tcPr>
-                </a:tc>
-                <a:tc>
-                  <a:txBody>
-                    <a:bodyPr/>
-                    <a:lstStyle/>
-                    <a:p>
-                      <a:endParaRPr lang="en-US" sz="1800" dirty="0">
-                        <a:effectLst/>
-                      </a:endParaRPr>
-                    </a:p>
-                  </a:txBody>
-                  <a:tcPr marL="4649" marR="4649" marT="4649" marB="4649" anchor="ctr">
-                    <a:lnL>
-                      <a:noFill/>
-                    </a:lnL>
-                    <a:lnR>
-                      <a:noFill/>
-                    </a:lnR>
-                    <a:lnT>
-                      <a:noFill/>
-                    </a:lnT>
-                    <a:lnB>
-                      <a:noFill/>
-                    </a:lnB>
-                    <a:solidFill>
-                      <a:srgbClr val="FFFFFF"/>
-                    </a:solidFill>
-                  </a:tcPr>
-                </a:tc>
-                <a:extLst>
-                  <a:ext uri="{0D108BD9-81ED-4DB2-BD59-A6C34878D82A}">
-                    <a16:rowId xmlns:a16="http://schemas.microsoft.com/office/drawing/2014/main" val="3824158272"/>
-                  </a:ext>
-                </a:extLst>
-              </a:tr>
-              <a:tr h="191244">
-                <a:tc>
-                  <a:txBody>
-                    <a:bodyPr/>
-                    <a:lstStyle/>
-                    <a:p>
-                      <a:r>
-                        <a:rPr lang="en-US" sz="1800" dirty="0">
-                          <a:effectLst/>
-                        </a:rPr>
-                        <a:t> </a:t>
-                      </a:r>
-                    </a:p>
-                  </a:txBody>
-                  <a:tcPr marL="4649" marR="4649" marT="4649" marB="4649" anchor="ctr">
-                    <a:lnL>
-                      <a:noFill/>
-                    </a:lnL>
-                    <a:lnR>
-                      <a:noFill/>
-                    </a:lnR>
-                    <a:lnT>
-                      <a:noFill/>
-                    </a:lnT>
-                    <a:lnB>
-                      <a:noFill/>
-                    </a:lnB>
-                    <a:solidFill>
-                      <a:srgbClr val="FFFFFF"/>
-                    </a:solidFill>
-                  </a:tcPr>
-                </a:tc>
-                <a:tc>
-                  <a:txBody>
-                    <a:bodyPr/>
-                    <a:lstStyle/>
-                    <a:p>
-                      <a:r>
-                        <a:rPr lang="en-US" sz="1800" dirty="0">
-                          <a:solidFill>
-                            <a:schemeClr val="tx1"/>
-                          </a:solidFill>
-                          <a:effectLst/>
-                        </a:rPr>
-                        <a:t>10/16/2024</a:t>
-                      </a:r>
-                    </a:p>
-                  </a:txBody>
-                  <a:tcPr marL="4649" marR="4649" marT="4649" marB="4649" anchor="ctr">
-                    <a:lnL>
-                      <a:noFill/>
-                    </a:lnL>
-                    <a:lnR>
-                      <a:noFill/>
-                    </a:lnR>
-                    <a:lnT>
-                      <a:noFill/>
-                    </a:lnT>
-                    <a:lnB>
-                      <a:noFill/>
-                    </a:lnB>
-                    <a:solidFill>
-                      <a:srgbClr val="FFFFFF"/>
-                    </a:solidFill>
-                  </a:tcPr>
-                </a:tc>
-                <a:tc>
-                  <a:txBody>
-                    <a:bodyPr/>
-                    <a:lstStyle/>
-                    <a:p>
-                      <a:r>
-                        <a:rPr lang="en-US" sz="1800" dirty="0">
-                          <a:solidFill>
-                            <a:schemeClr val="tx1"/>
-                          </a:solidFill>
-                          <a:effectLst/>
-                        </a:rPr>
-                        <a:t>Camera Calibration</a:t>
-                      </a:r>
-                    </a:p>
-                  </a:txBody>
-                  <a:tcPr marL="4649" marR="4649" marT="4649" marB="4649" anchor="ctr">
-                    <a:lnL>
-                      <a:noFill/>
-                    </a:lnL>
-                    <a:lnR>
-                      <a:noFill/>
-                    </a:lnR>
-                    <a:lnT>
-                      <a:noFill/>
-                    </a:lnT>
-                    <a:lnB>
-                      <a:noFill/>
-                    </a:lnB>
-                    <a:solidFill>
-                      <a:srgbClr val="FFFFFF"/>
-                    </a:solidFill>
-                  </a:tcPr>
-                </a:tc>
-                <a:tc>
-                  <a:txBody>
-                    <a:bodyPr/>
-                    <a:lstStyle/>
-                    <a:p>
-                      <a:r>
-                        <a:rPr lang="en-US" sz="1800" dirty="0">
-                          <a:solidFill>
-                            <a:schemeClr val="tx1"/>
-                          </a:solidFill>
-                          <a:effectLst/>
-                        </a:rPr>
-                        <a:t>Python problems (HW5)</a:t>
-                      </a:r>
-                    </a:p>
-                  </a:txBody>
-                  <a:tcPr marL="4649" marR="4649" marT="4649" marB="4649" anchor="ctr">
-                    <a:lnL>
-                      <a:noFill/>
-                    </a:lnL>
-                    <a:lnR>
-                      <a:noFill/>
-                    </a:lnR>
-                    <a:lnT>
-                      <a:noFill/>
-                    </a:lnT>
-                    <a:lnB>
-                      <a:noFill/>
-                    </a:lnB>
-                    <a:solidFill>
-                      <a:srgbClr val="FFFFFF"/>
-                    </a:solidFill>
-                  </a:tcPr>
-                </a:tc>
-                <a:tc>
-                  <a:txBody>
-                    <a:bodyPr/>
-                    <a:lstStyle/>
-                    <a:p>
-                      <a:r>
-                        <a:rPr lang="en-US" sz="1800" dirty="0">
-                          <a:solidFill>
-                            <a:schemeClr val="tx1"/>
-                          </a:solidFill>
-                          <a:effectLst/>
-                        </a:rPr>
-                        <a:t>Due 10/23</a:t>
-                      </a:r>
-                    </a:p>
-                  </a:txBody>
-                  <a:tcPr marL="4649" marR="4649" marT="4649" marB="4649" anchor="ctr">
-                    <a:lnL>
-                      <a:noFill/>
-                    </a:lnL>
-                    <a:lnR>
-                      <a:noFill/>
-                    </a:lnR>
-                    <a:lnT>
-                      <a:noFill/>
-                    </a:lnT>
-                    <a:lnB>
-                      <a:noFill/>
-                    </a:lnB>
-                    <a:solidFill>
-                      <a:srgbClr val="FFFFFF"/>
-                    </a:solidFill>
-                  </a:tcPr>
-                </a:tc>
-                <a:extLst>
-                  <a:ext uri="{0D108BD9-81ED-4DB2-BD59-A6C34878D82A}">
-                    <a16:rowId xmlns:a16="http://schemas.microsoft.com/office/drawing/2014/main" val="2265139463"/>
-                  </a:ext>
-                </a:extLst>
-              </a:tr>
-              <a:tr h="191244">
-                <a:tc>
-                  <a:txBody>
-                    <a:bodyPr/>
-                    <a:lstStyle/>
-                    <a:p>
-                      <a:r>
-                        <a:rPr lang="en-US" sz="1800" dirty="0">
-                          <a:effectLst/>
-                        </a:rPr>
-                        <a:t>9</a:t>
-                      </a:r>
-                    </a:p>
-                  </a:txBody>
-                  <a:tcPr marL="4649" marR="4649" marT="4649" marB="4649" anchor="ctr">
-                    <a:lnL>
-                      <a:noFill/>
-                    </a:lnL>
-                    <a:lnR>
-                      <a:noFill/>
-                    </a:lnR>
-                    <a:lnT>
-                      <a:noFill/>
-                    </a:lnT>
-                    <a:lnB>
-                      <a:noFill/>
-                    </a:lnB>
-                    <a:solidFill>
-                      <a:srgbClr val="FFFFFF"/>
-                    </a:solidFill>
-                  </a:tcPr>
-                </a:tc>
-                <a:tc>
-                  <a:txBody>
-                    <a:bodyPr/>
-                    <a:lstStyle/>
-                    <a:p>
-                      <a:r>
-                        <a:rPr lang="en-US" sz="1800" dirty="0">
-                          <a:effectLst/>
-                        </a:rPr>
-                        <a:t>10/21/2024</a:t>
-                      </a:r>
-                    </a:p>
-                  </a:txBody>
-                  <a:tcPr marL="4649" marR="4649" marT="4649" marB="4649" anchor="ctr">
-                    <a:lnL>
-                      <a:noFill/>
-                    </a:lnL>
-                    <a:lnR>
-                      <a:noFill/>
-                    </a:lnR>
-                    <a:lnT>
-                      <a:noFill/>
-                    </a:lnT>
-                    <a:lnB>
-                      <a:noFill/>
-                    </a:lnB>
-                    <a:solidFill>
-                      <a:srgbClr val="FFFFFF"/>
-                    </a:solidFill>
-                  </a:tcPr>
-                </a:tc>
-                <a:tc>
-                  <a:txBody>
-                    <a:bodyPr/>
-                    <a:lstStyle/>
-                    <a:p>
-                      <a:pPr marL="0" marR="0" lvl="0" indent="0" algn="l" defTabSz="914400" rtl="0" eaLnBrk="1" fontAlgn="auto" latinLnBrk="0" hangingPunct="1">
-                        <a:lnSpc>
-                          <a:spcPct val="100000"/>
-                        </a:lnSpc>
-                        <a:spcBef>
-                          <a:spcPts val="0"/>
-                        </a:spcBef>
-                        <a:spcAft>
-                          <a:spcPts val="0"/>
-                        </a:spcAft>
-                        <a:buClrTx/>
-                        <a:buSzTx/>
-                        <a:buFontTx/>
-                        <a:buNone/>
-                        <a:tabLst/>
-                        <a:defRPr/>
-                      </a:pPr>
-                      <a:r>
-                        <a:rPr lang="en-US" sz="1800" dirty="0">
-                          <a:effectLst/>
-                        </a:rPr>
-                        <a:t>Depth estimation</a:t>
-                      </a:r>
-                    </a:p>
-                  </a:txBody>
-                  <a:tcPr marL="4649" marR="4649" marT="4649" marB="4649" anchor="ctr">
-                    <a:lnL>
-                      <a:noFill/>
-                    </a:lnL>
-                    <a:lnR>
-                      <a:noFill/>
-                    </a:lnR>
-                    <a:lnT>
-                      <a:noFill/>
-                    </a:lnT>
-                    <a:lnB>
-                      <a:noFill/>
-                    </a:lnB>
-                    <a:solidFill>
-                      <a:srgbClr val="FFFFFF"/>
-                    </a:solidFill>
-                  </a:tcPr>
-                </a:tc>
-                <a:tc>
-                  <a:txBody>
-                    <a:bodyPr/>
-                    <a:lstStyle/>
-                    <a:p>
-                      <a:r>
-                        <a:rPr lang="en-US" sz="1800" dirty="0">
-                          <a:effectLst/>
-                        </a:rPr>
-                        <a:t>Group Project work</a:t>
-                      </a:r>
-                    </a:p>
-                  </a:txBody>
-                  <a:tcPr marL="4649" marR="4649" marT="4649" marB="4649" anchor="ctr">
-                    <a:lnL>
-                      <a:noFill/>
-                    </a:lnL>
-                    <a:lnR>
-                      <a:noFill/>
-                    </a:lnR>
-                    <a:lnT>
-                      <a:noFill/>
-                    </a:lnT>
-                    <a:lnB>
-                      <a:noFill/>
-                    </a:lnB>
-                    <a:solidFill>
-                      <a:srgbClr val="FFFFFF"/>
-                    </a:solidFill>
-                  </a:tcPr>
-                </a:tc>
-                <a:tc>
-                  <a:txBody>
-                    <a:bodyPr/>
-                    <a:lstStyle/>
-                    <a:p>
-                      <a:endParaRPr lang="en-US" sz="1800" dirty="0">
-                        <a:effectLst/>
-                      </a:endParaRPr>
-                    </a:p>
-                  </a:txBody>
-                  <a:tcPr marL="4649" marR="4649" marT="4649" marB="4649" anchor="ctr">
-                    <a:lnL>
-                      <a:noFill/>
-                    </a:lnL>
-                    <a:lnR>
-                      <a:noFill/>
-                    </a:lnR>
-                    <a:lnT>
-                      <a:noFill/>
-                    </a:lnT>
-                    <a:lnB>
-                      <a:noFill/>
-                    </a:lnB>
-                    <a:solidFill>
-                      <a:srgbClr val="FFFFFF"/>
-                    </a:solidFill>
-                  </a:tcPr>
-                </a:tc>
-                <a:extLst>
-                  <a:ext uri="{0D108BD9-81ED-4DB2-BD59-A6C34878D82A}">
-                    <a16:rowId xmlns:a16="http://schemas.microsoft.com/office/drawing/2014/main" val="4277360844"/>
-                  </a:ext>
-                </a:extLst>
-              </a:tr>
-              <a:tr h="101831">
-                <a:tc>
-                  <a:txBody>
-                    <a:bodyPr/>
-                    <a:lstStyle/>
-                    <a:p>
-                      <a:r>
-                        <a:rPr lang="en-US" sz="1800">
-                          <a:effectLst/>
-                        </a:rPr>
-                        <a:t> </a:t>
-                      </a:r>
-                    </a:p>
-                  </a:txBody>
-                  <a:tcPr marL="4649" marR="4649" marT="4649" marB="4649" anchor="ctr">
-                    <a:lnL>
-                      <a:noFill/>
-                    </a:lnL>
-                    <a:lnR>
-                      <a:noFill/>
-                    </a:lnR>
-                    <a:lnT>
-                      <a:noFill/>
-                    </a:lnT>
-                    <a:lnB>
-                      <a:noFill/>
-                    </a:lnB>
-                    <a:solidFill>
-                      <a:srgbClr val="FFFFFF"/>
-                    </a:solidFill>
-                  </a:tcPr>
-                </a:tc>
-                <a:tc>
-                  <a:txBody>
-                    <a:bodyPr/>
-                    <a:lstStyle/>
-                    <a:p>
-                      <a:r>
-                        <a:rPr lang="en-US" sz="1800" dirty="0">
-                          <a:effectLst/>
-                        </a:rPr>
-                        <a:t>10/23/2024</a:t>
-                      </a:r>
-                    </a:p>
-                  </a:txBody>
-                  <a:tcPr marL="4649" marR="4649" marT="4649" marB="4649" anchor="ctr">
-                    <a:lnL>
-                      <a:noFill/>
-                    </a:lnL>
-                    <a:lnR>
-                      <a:noFill/>
-                    </a:lnR>
-                    <a:lnT>
-                      <a:noFill/>
-                    </a:lnT>
-                    <a:lnB>
-                      <a:noFill/>
-                    </a:lnB>
-                    <a:solidFill>
-                      <a:srgbClr val="FFFFFF"/>
-                    </a:solidFill>
-                  </a:tcPr>
-                </a:tc>
-                <a:tc>
-                  <a:txBody>
-                    <a:bodyPr/>
-                    <a:lstStyle/>
-                    <a:p>
-                      <a:pPr marL="0" marR="0" lvl="0" indent="0" algn="l" defTabSz="914400" rtl="0" eaLnBrk="1" fontAlgn="auto" latinLnBrk="0" hangingPunct="1">
-                        <a:lnSpc>
-                          <a:spcPct val="100000"/>
-                        </a:lnSpc>
-                        <a:spcBef>
-                          <a:spcPts val="0"/>
-                        </a:spcBef>
-                        <a:spcAft>
-                          <a:spcPts val="0"/>
-                        </a:spcAft>
-                        <a:buClrTx/>
-                        <a:buSzTx/>
-                        <a:buFontTx/>
-                        <a:buNone/>
-                        <a:tabLst/>
-                        <a:defRPr/>
-                      </a:pPr>
-                      <a:r>
-                        <a:rPr lang="en-US" sz="1800" dirty="0">
-                          <a:effectLst/>
-                        </a:rPr>
-                        <a:t>3D Reconstruction and Pose estimation</a:t>
-                      </a:r>
-                    </a:p>
-                  </a:txBody>
-                  <a:tcPr marL="4649" marR="4649" marT="4649" marB="4649" anchor="ctr">
-                    <a:lnL>
-                      <a:noFill/>
-                    </a:lnL>
-                    <a:lnR>
-                      <a:noFill/>
-                    </a:lnR>
-                    <a:lnT>
-                      <a:noFill/>
-                    </a:lnT>
-                    <a:lnB>
-                      <a:noFill/>
-                    </a:lnB>
-                    <a:solidFill>
-                      <a:srgbClr val="FFFFFF"/>
-                    </a:solidFill>
-                  </a:tcPr>
-                </a:tc>
-                <a:tc>
-                  <a:txBody>
-                    <a:bodyPr/>
-                    <a:lstStyle/>
-                    <a:p>
-                      <a:r>
-                        <a:rPr lang="en-US" sz="1800" dirty="0">
-                          <a:effectLst/>
-                        </a:rPr>
-                        <a:t>Python problems (HW6)</a:t>
-                      </a:r>
-                    </a:p>
-                  </a:txBody>
-                  <a:tcPr marL="4649" marR="4649" marT="4649" marB="4649" anchor="ctr">
-                    <a:lnL>
-                      <a:noFill/>
-                    </a:lnL>
-                    <a:lnR>
-                      <a:noFill/>
-                    </a:lnR>
-                    <a:lnT>
-                      <a:noFill/>
-                    </a:lnT>
-                    <a:lnB>
-                      <a:noFill/>
-                    </a:lnB>
-                    <a:solidFill>
-                      <a:srgbClr val="FFFFFF"/>
-                    </a:solidFill>
-                  </a:tcPr>
-                </a:tc>
-                <a:tc>
-                  <a:txBody>
-                    <a:bodyPr/>
-                    <a:lstStyle/>
-                    <a:p>
-                      <a:r>
-                        <a:rPr lang="en-US" sz="1800" dirty="0">
-                          <a:effectLst/>
-                        </a:rPr>
-                        <a:t>Due 10/30</a:t>
-                      </a:r>
-                    </a:p>
-                  </a:txBody>
-                  <a:tcPr marL="4649" marR="4649" marT="4649" marB="4649" anchor="ctr">
-                    <a:lnL>
-                      <a:noFill/>
-                    </a:lnL>
-                    <a:lnR>
-                      <a:noFill/>
-                    </a:lnR>
-                    <a:lnT>
-                      <a:noFill/>
-                    </a:lnT>
-                    <a:lnB>
-                      <a:noFill/>
-                    </a:lnB>
-                    <a:solidFill>
-                      <a:srgbClr val="FFFFFF"/>
-                    </a:solidFill>
-                  </a:tcPr>
-                </a:tc>
-                <a:extLst>
-                  <a:ext uri="{0D108BD9-81ED-4DB2-BD59-A6C34878D82A}">
-                    <a16:rowId xmlns:a16="http://schemas.microsoft.com/office/drawing/2014/main" val="5361792"/>
-                  </a:ext>
-                </a:extLst>
-              </a:tr>
-              <a:tr h="191244">
-                <a:tc>
-                  <a:txBody>
-                    <a:bodyPr/>
-                    <a:lstStyle/>
-                    <a:p>
-                      <a:r>
-                        <a:rPr lang="en-US" sz="1800">
-                          <a:effectLst/>
-                        </a:rPr>
-                        <a:t>10</a:t>
-                      </a:r>
-                    </a:p>
-                  </a:txBody>
-                  <a:tcPr marL="4649" marR="4649" marT="4649" marB="4649" anchor="ctr">
-                    <a:lnL>
-                      <a:noFill/>
-                    </a:lnL>
-                    <a:lnR>
-                      <a:noFill/>
-                    </a:lnR>
-                    <a:lnT>
-                      <a:noFill/>
-                    </a:lnT>
-                    <a:lnB>
-                      <a:noFill/>
-                    </a:lnB>
-                    <a:solidFill>
-                      <a:srgbClr val="FFFFFF"/>
-                    </a:solidFill>
-                  </a:tcPr>
-                </a:tc>
-                <a:tc>
-                  <a:txBody>
-                    <a:bodyPr/>
-                    <a:lstStyle/>
-                    <a:p>
-                      <a:r>
-                        <a:rPr lang="en-US" sz="1800" dirty="0">
-                          <a:effectLst/>
-                        </a:rPr>
-                        <a:t>10/28/2024</a:t>
-                      </a:r>
-                    </a:p>
-                  </a:txBody>
-                  <a:tcPr marL="4649" marR="4649" marT="4649" marB="4649" anchor="ctr">
-                    <a:lnL>
-                      <a:noFill/>
-                    </a:lnL>
-                    <a:lnR>
-                      <a:noFill/>
-                    </a:lnR>
-                    <a:lnT>
-                      <a:noFill/>
-                    </a:lnT>
-                    <a:lnB>
-                      <a:noFill/>
-                    </a:lnB>
-                    <a:solidFill>
-                      <a:srgbClr val="FFFFFF"/>
-                    </a:solidFill>
-                  </a:tcPr>
-                </a:tc>
-                <a:tc>
-                  <a:txBody>
-                    <a:bodyPr/>
-                    <a:lstStyle/>
-                    <a:p>
-                      <a:r>
-                        <a:rPr lang="en-US" sz="1800" dirty="0" err="1">
-                          <a:effectLst/>
-                        </a:rPr>
-                        <a:t>Haar</a:t>
-                      </a:r>
-                      <a:r>
-                        <a:rPr lang="en-US" sz="1800" dirty="0">
-                          <a:effectLst/>
-                        </a:rPr>
-                        <a:t> Cascade Classifiers</a:t>
-                      </a:r>
-                    </a:p>
-                  </a:txBody>
-                  <a:tcPr marL="4649" marR="4649" marT="4649" marB="4649" anchor="ctr">
-                    <a:lnL>
-                      <a:noFill/>
-                    </a:lnL>
-                    <a:lnR>
-                      <a:noFill/>
-                    </a:lnR>
-                    <a:lnT>
-                      <a:noFill/>
-                    </a:lnT>
-                    <a:lnB>
-                      <a:noFill/>
-                    </a:lnB>
-                    <a:solidFill>
-                      <a:srgbClr val="FFFFFF"/>
-                    </a:solidFill>
-                  </a:tcPr>
-                </a:tc>
-                <a:tc>
-                  <a:txBody>
-                    <a:bodyPr/>
-                    <a:lstStyle/>
-                    <a:p>
-                      <a:r>
-                        <a:rPr lang="en-US" sz="1800" dirty="0">
-                          <a:effectLst/>
-                        </a:rPr>
-                        <a:t>Python problems (HW7)</a:t>
-                      </a:r>
-                    </a:p>
-                  </a:txBody>
-                  <a:tcPr marL="4649" marR="4649" marT="4649" marB="4649" anchor="ctr">
-                    <a:lnL>
-                      <a:noFill/>
-                    </a:lnL>
-                    <a:lnR>
-                      <a:noFill/>
-                    </a:lnR>
-                    <a:lnT>
-                      <a:noFill/>
-                    </a:lnT>
-                    <a:lnB>
-                      <a:noFill/>
-                    </a:lnB>
-                    <a:solidFill>
-                      <a:srgbClr val="FFFFFF"/>
-                    </a:solidFill>
-                  </a:tcPr>
-                </a:tc>
-                <a:tc>
-                  <a:txBody>
-                    <a:bodyPr/>
-                    <a:lstStyle/>
-                    <a:p>
-                      <a:r>
-                        <a:rPr lang="en-US" sz="1800" dirty="0">
-                          <a:effectLst/>
-                        </a:rPr>
-                        <a:t>Due 11/4</a:t>
-                      </a:r>
-                    </a:p>
-                  </a:txBody>
-                  <a:tcPr marL="4649" marR="4649" marT="4649" marB="4649" anchor="ctr">
-                    <a:lnL>
-                      <a:noFill/>
-                    </a:lnL>
-                    <a:lnR>
-                      <a:noFill/>
-                    </a:lnR>
-                    <a:lnT>
-                      <a:noFill/>
-                    </a:lnT>
-                    <a:lnB>
-                      <a:noFill/>
-                    </a:lnB>
-                    <a:solidFill>
-                      <a:srgbClr val="FFFFFF"/>
-                    </a:solidFill>
-                  </a:tcPr>
-                </a:tc>
-                <a:extLst>
-                  <a:ext uri="{0D108BD9-81ED-4DB2-BD59-A6C34878D82A}">
-                    <a16:rowId xmlns:a16="http://schemas.microsoft.com/office/drawing/2014/main" val="667319350"/>
-                  </a:ext>
-                </a:extLst>
-              </a:tr>
-              <a:tr h="191244">
-                <a:tc>
-                  <a:txBody>
-                    <a:bodyPr/>
-                    <a:lstStyle/>
-                    <a:p>
-                      <a:r>
-                        <a:rPr lang="en-US" sz="1800">
-                          <a:effectLst/>
-                        </a:rPr>
-                        <a:t> </a:t>
-                      </a:r>
-                    </a:p>
-                  </a:txBody>
-                  <a:tcPr marL="4649" marR="4649" marT="4649" marB="4649" anchor="ctr">
-                    <a:lnL>
-                      <a:noFill/>
-                    </a:lnL>
-                    <a:lnR>
-                      <a:noFill/>
-                    </a:lnR>
-                    <a:lnT>
-                      <a:noFill/>
-                    </a:lnT>
-                    <a:lnB>
-                      <a:noFill/>
-                    </a:lnB>
-                    <a:solidFill>
-                      <a:srgbClr val="FFFFFF"/>
-                    </a:solidFill>
-                  </a:tcPr>
-                </a:tc>
-                <a:tc>
-                  <a:txBody>
-                    <a:bodyPr/>
-                    <a:lstStyle/>
-                    <a:p>
-                      <a:r>
-                        <a:rPr lang="en-US" sz="1800" dirty="0">
-                          <a:effectLst/>
-                        </a:rPr>
-                        <a:t>10/30/2024</a:t>
-                      </a:r>
-                    </a:p>
-                  </a:txBody>
-                  <a:tcPr marL="4649" marR="4649" marT="4649" marB="4649" anchor="ctr">
-                    <a:lnL>
-                      <a:noFill/>
-                    </a:lnL>
-                    <a:lnR>
-                      <a:noFill/>
-                    </a:lnR>
-                    <a:lnT>
-                      <a:noFill/>
-                    </a:lnT>
-                    <a:lnB>
-                      <a:noFill/>
-                    </a:lnB>
-                    <a:solidFill>
-                      <a:srgbClr val="FFFFFF"/>
-                    </a:solidFill>
-                  </a:tcPr>
-                </a:tc>
-                <a:tc>
-                  <a:txBody>
-                    <a:bodyPr/>
-                    <a:lstStyle/>
-                    <a:p>
-                      <a:r>
-                        <a:rPr lang="en-US" sz="1800" dirty="0">
-                          <a:effectLst/>
-                        </a:rPr>
-                        <a:t>HOG and Custom Detectors</a:t>
-                      </a:r>
-                    </a:p>
-                  </a:txBody>
-                  <a:tcPr marL="4649" marR="4649" marT="4649" marB="4649" anchor="ctr">
-                    <a:lnL>
-                      <a:noFill/>
-                    </a:lnL>
-                    <a:lnR>
-                      <a:noFill/>
-                    </a:lnR>
-                    <a:lnT>
-                      <a:noFill/>
-                    </a:lnT>
-                    <a:lnB>
-                      <a:noFill/>
-                    </a:lnB>
-                    <a:solidFill>
-                      <a:srgbClr val="FFFFFF"/>
-                    </a:solidFill>
-                  </a:tcPr>
-                </a:tc>
-                <a:tc>
-                  <a:txBody>
-                    <a:bodyPr/>
-                    <a:lstStyle/>
-                    <a:p>
-                      <a:r>
-                        <a:rPr lang="en-US" sz="1800" dirty="0">
-                          <a:effectLst/>
-                          <a:highlight>
-                            <a:srgbClr val="FFFF00"/>
-                          </a:highlight>
-                        </a:rPr>
-                        <a:t>Project updates</a:t>
-                      </a:r>
-                    </a:p>
-                  </a:txBody>
-                  <a:tcPr marL="4649" marR="4649" marT="4649" marB="4649" anchor="ctr">
-                    <a:lnL>
-                      <a:noFill/>
-                    </a:lnL>
-                    <a:lnR>
-                      <a:noFill/>
-                    </a:lnR>
-                    <a:lnT>
-                      <a:noFill/>
-                    </a:lnT>
-                    <a:lnB>
-                      <a:noFill/>
-                    </a:lnB>
-                    <a:solidFill>
-                      <a:srgbClr val="FFFFFF"/>
-                    </a:solidFill>
-                  </a:tcPr>
-                </a:tc>
-                <a:tc>
-                  <a:txBody>
-                    <a:bodyPr/>
-                    <a:lstStyle/>
-                    <a:p>
-                      <a:endParaRPr lang="en-US" sz="1800" dirty="0">
-                        <a:effectLst/>
-                      </a:endParaRPr>
-                    </a:p>
-                  </a:txBody>
-                  <a:tcPr marL="4649" marR="4649" marT="4649" marB="4649" anchor="ctr">
-                    <a:lnL>
-                      <a:noFill/>
-                    </a:lnL>
-                    <a:lnR>
-                      <a:noFill/>
-                    </a:lnR>
-                    <a:lnT>
-                      <a:noFill/>
-                    </a:lnT>
-                    <a:lnB>
-                      <a:noFill/>
-                    </a:lnB>
-                    <a:solidFill>
-                      <a:srgbClr val="FFFFFF"/>
-                    </a:solidFill>
-                  </a:tcPr>
-                </a:tc>
-                <a:extLst>
-                  <a:ext uri="{0D108BD9-81ED-4DB2-BD59-A6C34878D82A}">
-                    <a16:rowId xmlns:a16="http://schemas.microsoft.com/office/drawing/2014/main" val="3945893794"/>
-                  </a:ext>
-                </a:extLst>
-              </a:tr>
-              <a:tr h="191244">
-                <a:tc>
-                  <a:txBody>
-                    <a:bodyPr/>
-                    <a:lstStyle/>
-                    <a:p>
-                      <a:r>
-                        <a:rPr lang="en-US" sz="1800">
-                          <a:effectLst/>
-                        </a:rPr>
-                        <a:t>11</a:t>
-                      </a:r>
-                    </a:p>
-                  </a:txBody>
-                  <a:tcPr marL="4649" marR="4649" marT="4649" marB="4649" anchor="ctr">
-                    <a:lnL>
-                      <a:noFill/>
-                    </a:lnL>
-                    <a:lnR>
-                      <a:noFill/>
-                    </a:lnR>
-                    <a:lnT>
-                      <a:noFill/>
-                    </a:lnT>
-                    <a:lnB>
-                      <a:noFill/>
-                    </a:lnB>
-                    <a:solidFill>
-                      <a:srgbClr val="FFFFFF"/>
-                    </a:solidFill>
-                  </a:tcPr>
-                </a:tc>
-                <a:tc>
-                  <a:txBody>
-                    <a:bodyPr/>
-                    <a:lstStyle/>
-                    <a:p>
-                      <a:r>
-                        <a:rPr lang="en-US" sz="1800" dirty="0">
-                          <a:effectLst/>
-                        </a:rPr>
-                        <a:t>11/4/2024</a:t>
-                      </a:r>
-                    </a:p>
-                  </a:txBody>
-                  <a:tcPr marL="4649" marR="4649" marT="4649" marB="4649" anchor="ctr">
-                    <a:lnL>
-                      <a:noFill/>
-                    </a:lnL>
-                    <a:lnR>
-                      <a:noFill/>
-                    </a:lnR>
-                    <a:lnT>
-                      <a:noFill/>
-                    </a:lnT>
-                    <a:lnB>
-                      <a:noFill/>
-                    </a:lnB>
-                    <a:solidFill>
-                      <a:srgbClr val="FFFFFF"/>
-                    </a:solidFill>
-                  </a:tcPr>
-                </a:tc>
-                <a:tc>
-                  <a:txBody>
-                    <a:bodyPr/>
-                    <a:lstStyle/>
-                    <a:p>
-                      <a:pPr marL="0" marR="0" lvl="0" indent="0" algn="l" defTabSz="914400" rtl="0" eaLnBrk="1" fontAlgn="auto" latinLnBrk="0" hangingPunct="1">
-                        <a:lnSpc>
-                          <a:spcPct val="100000"/>
-                        </a:lnSpc>
-                        <a:spcBef>
-                          <a:spcPts val="0"/>
-                        </a:spcBef>
-                        <a:spcAft>
-                          <a:spcPts val="0"/>
-                        </a:spcAft>
-                        <a:buClrTx/>
-                        <a:buSzTx/>
-                        <a:buFontTx/>
-                        <a:buNone/>
-                        <a:tabLst/>
-                        <a:defRPr/>
-                      </a:pPr>
-                      <a:r>
-                        <a:rPr lang="en-US" sz="1800" dirty="0">
-                          <a:effectLst/>
-                        </a:rPr>
-                        <a:t>Object Tracking</a:t>
-                      </a:r>
-                    </a:p>
-                  </a:txBody>
-                  <a:tcPr marL="4649" marR="4649" marT="4649" marB="4649" anchor="ctr">
-                    <a:lnL>
-                      <a:noFill/>
-                    </a:lnL>
-                    <a:lnR>
-                      <a:noFill/>
-                    </a:lnR>
-                    <a:lnT>
-                      <a:noFill/>
-                    </a:lnT>
-                    <a:lnB>
-                      <a:noFill/>
-                    </a:lnB>
-                    <a:solidFill>
-                      <a:srgbClr val="FFFFFF"/>
-                    </a:solidFill>
-                  </a:tcPr>
-                </a:tc>
-                <a:tc>
-                  <a:txBody>
-                    <a:bodyPr/>
-                    <a:lstStyle/>
-                    <a:p>
-                      <a:pPr marL="0" marR="0" lvl="0" indent="0" algn="l" defTabSz="914400" rtl="0" eaLnBrk="1" fontAlgn="auto" latinLnBrk="0" hangingPunct="1">
-                        <a:lnSpc>
-                          <a:spcPct val="100000"/>
-                        </a:lnSpc>
-                        <a:spcBef>
-                          <a:spcPts val="0"/>
-                        </a:spcBef>
-                        <a:spcAft>
-                          <a:spcPts val="0"/>
-                        </a:spcAft>
-                        <a:buClrTx/>
-                        <a:buSzTx/>
-                        <a:buFontTx/>
-                        <a:buNone/>
-                        <a:tabLst/>
-                        <a:defRPr/>
-                      </a:pPr>
-                      <a:r>
-                        <a:rPr lang="en-US" sz="1800" dirty="0">
-                          <a:effectLst/>
-                          <a:highlight>
-                            <a:srgbClr val="FFFF00"/>
-                          </a:highlight>
-                        </a:rPr>
-                        <a:t>Project updates</a:t>
-                      </a:r>
-                    </a:p>
-                  </a:txBody>
-                  <a:tcPr marL="4649" marR="4649" marT="4649" marB="4649" anchor="ctr">
-                    <a:lnL>
-                      <a:noFill/>
-                    </a:lnL>
-                    <a:lnR>
-                      <a:noFill/>
-                    </a:lnR>
-                    <a:lnT>
-                      <a:noFill/>
-                    </a:lnT>
-                    <a:lnB>
-                      <a:noFill/>
-                    </a:lnB>
-                    <a:solidFill>
-                      <a:srgbClr val="FFFFFF"/>
-                    </a:solidFill>
-                  </a:tcPr>
-                </a:tc>
-                <a:tc>
-                  <a:txBody>
-                    <a:bodyPr/>
-                    <a:lstStyle/>
-                    <a:p>
-                      <a:endParaRPr lang="en-US" sz="1800" dirty="0">
-                        <a:effectLst/>
-                      </a:endParaRPr>
-                    </a:p>
-                  </a:txBody>
-                  <a:tcPr marL="4649" marR="4649" marT="4649" marB="4649" anchor="ctr">
-                    <a:lnL>
-                      <a:noFill/>
-                    </a:lnL>
-                    <a:lnR>
-                      <a:noFill/>
-                    </a:lnR>
-                    <a:lnT>
-                      <a:noFill/>
-                    </a:lnT>
-                    <a:lnB>
-                      <a:noFill/>
-                    </a:lnB>
-                    <a:solidFill>
-                      <a:srgbClr val="FFFFFF"/>
-                    </a:solidFill>
-                  </a:tcPr>
-                </a:tc>
-                <a:extLst>
-                  <a:ext uri="{0D108BD9-81ED-4DB2-BD59-A6C34878D82A}">
-                    <a16:rowId xmlns:a16="http://schemas.microsoft.com/office/drawing/2014/main" val="3111691061"/>
-                  </a:ext>
-                </a:extLst>
-              </a:tr>
-              <a:tr h="191244">
-                <a:tc>
-                  <a:txBody>
-                    <a:bodyPr/>
-                    <a:lstStyle/>
-                    <a:p>
-                      <a:r>
-                        <a:rPr lang="en-US" sz="1800">
-                          <a:effectLst/>
-                        </a:rPr>
-                        <a:t> </a:t>
-                      </a:r>
-                    </a:p>
-                  </a:txBody>
-                  <a:tcPr marL="4649" marR="4649" marT="4649" marB="4649" anchor="ctr">
-                    <a:lnL>
-                      <a:noFill/>
-                    </a:lnL>
-                    <a:lnR>
-                      <a:noFill/>
-                    </a:lnR>
-                    <a:lnT>
-                      <a:noFill/>
-                    </a:lnT>
-                    <a:lnB>
-                      <a:noFill/>
-                    </a:lnB>
-                    <a:solidFill>
-                      <a:srgbClr val="FFFFFF"/>
-                    </a:solidFill>
-                  </a:tcPr>
-                </a:tc>
-                <a:tc>
-                  <a:txBody>
-                    <a:bodyPr/>
-                    <a:lstStyle/>
-                    <a:p>
-                      <a:r>
-                        <a:rPr lang="en-US" sz="1800">
-                          <a:effectLst/>
-                        </a:rPr>
-                        <a:t>11/6/2024</a:t>
-                      </a:r>
-                    </a:p>
-                  </a:txBody>
-                  <a:tcPr marL="4649" marR="4649" marT="4649" marB="4649" anchor="ctr">
-                    <a:lnL>
-                      <a:noFill/>
-                    </a:lnL>
-                    <a:lnR>
-                      <a:noFill/>
-                    </a:lnR>
-                    <a:lnT>
-                      <a:noFill/>
-                    </a:lnT>
-                    <a:lnB>
-                      <a:noFill/>
-                    </a:lnB>
-                    <a:solidFill>
-                      <a:srgbClr val="FFFFFF"/>
-                    </a:solidFill>
-                  </a:tcPr>
-                </a:tc>
-                <a:tc>
-                  <a:txBody>
-                    <a:bodyPr/>
-                    <a:lstStyle/>
-                    <a:p>
-                      <a:pPr marL="0" marR="0" lvl="0" indent="0" algn="l" defTabSz="914400" rtl="0" eaLnBrk="1" fontAlgn="auto" latinLnBrk="0" hangingPunct="1">
-                        <a:lnSpc>
-                          <a:spcPct val="100000"/>
-                        </a:lnSpc>
-                        <a:spcBef>
-                          <a:spcPts val="0"/>
-                        </a:spcBef>
-                        <a:spcAft>
-                          <a:spcPts val="0"/>
-                        </a:spcAft>
-                        <a:buClrTx/>
-                        <a:buSzTx/>
-                        <a:buFontTx/>
-                        <a:buNone/>
-                        <a:tabLst/>
-                        <a:defRPr/>
-                      </a:pPr>
-                      <a:r>
-                        <a:rPr lang="en-US" sz="1800" dirty="0">
-                          <a:effectLst/>
-                        </a:rPr>
-                        <a:t>OCR Text Detection</a:t>
-                      </a:r>
-                    </a:p>
-                  </a:txBody>
-                  <a:tcPr marL="4649" marR="4649" marT="4649" marB="4649" anchor="ctr">
-                    <a:lnL>
-                      <a:noFill/>
-                    </a:lnL>
-                    <a:lnR>
-                      <a:noFill/>
-                    </a:lnR>
-                    <a:lnT>
-                      <a:noFill/>
-                    </a:lnT>
-                    <a:lnB>
-                      <a:noFill/>
-                    </a:lnB>
-                    <a:solidFill>
-                      <a:srgbClr val="FFFFFF"/>
-                    </a:solidFill>
-                  </a:tcPr>
-                </a:tc>
-                <a:tc>
-                  <a:txBody>
-                    <a:bodyPr/>
-                    <a:lstStyle/>
-                    <a:p>
-                      <a:r>
-                        <a:rPr lang="en-US" sz="1800" dirty="0">
-                          <a:effectLst/>
-                        </a:rPr>
-                        <a:t>Python problems (HW8)</a:t>
-                      </a:r>
-                    </a:p>
-                  </a:txBody>
-                  <a:tcPr marL="4649" marR="4649" marT="4649" marB="4649" anchor="ctr">
-                    <a:lnL>
-                      <a:noFill/>
-                    </a:lnL>
-                    <a:lnR>
-                      <a:noFill/>
-                    </a:lnR>
-                    <a:lnT>
-                      <a:noFill/>
-                    </a:lnT>
-                    <a:lnB>
-                      <a:noFill/>
-                    </a:lnB>
-                    <a:solidFill>
-                      <a:srgbClr val="FFFFFF"/>
-                    </a:solidFill>
-                  </a:tcPr>
-                </a:tc>
-                <a:tc>
-                  <a:txBody>
-                    <a:bodyPr/>
-                    <a:lstStyle/>
-                    <a:p>
-                      <a:r>
-                        <a:rPr lang="en-US" sz="1800" dirty="0">
-                          <a:effectLst/>
-                        </a:rPr>
-                        <a:t>Due 11/13</a:t>
-                      </a:r>
-                    </a:p>
-                  </a:txBody>
-                  <a:tcPr marL="4649" marR="4649" marT="4649" marB="4649" anchor="ctr">
-                    <a:lnL>
-                      <a:noFill/>
-                    </a:lnL>
-                    <a:lnR>
-                      <a:noFill/>
-                    </a:lnR>
-                    <a:lnT>
-                      <a:noFill/>
-                    </a:lnT>
-                    <a:lnB>
-                      <a:noFill/>
-                    </a:lnB>
-                    <a:solidFill>
-                      <a:srgbClr val="FFFFFF"/>
-                    </a:solidFill>
-                  </a:tcPr>
-                </a:tc>
-                <a:extLst>
-                  <a:ext uri="{0D108BD9-81ED-4DB2-BD59-A6C34878D82A}">
-                    <a16:rowId xmlns:a16="http://schemas.microsoft.com/office/drawing/2014/main" val="2448716580"/>
-                  </a:ext>
-                </a:extLst>
-              </a:tr>
-              <a:tr h="280658">
-                <a:tc>
-                  <a:txBody>
-                    <a:bodyPr/>
-                    <a:lstStyle/>
-                    <a:p>
-                      <a:r>
-                        <a:rPr lang="en-US" sz="1800">
-                          <a:effectLst/>
-                        </a:rPr>
-                        <a:t>12</a:t>
-                      </a:r>
-                    </a:p>
-                  </a:txBody>
-                  <a:tcPr marL="4649" marR="4649" marT="4649" marB="4649" anchor="ctr">
-                    <a:lnL>
-                      <a:noFill/>
-                    </a:lnL>
-                    <a:lnR>
-                      <a:noFill/>
-                    </a:lnR>
-                    <a:lnT>
-                      <a:noFill/>
-                    </a:lnT>
-                    <a:lnB>
-                      <a:noFill/>
-                    </a:lnB>
-                    <a:solidFill>
-                      <a:srgbClr val="FFFFFF"/>
-                    </a:solidFill>
-                  </a:tcPr>
-                </a:tc>
-                <a:tc>
-                  <a:txBody>
-                    <a:bodyPr/>
-                    <a:lstStyle/>
-                    <a:p>
-                      <a:r>
-                        <a:rPr lang="en-US" sz="1800" dirty="0">
-                          <a:effectLst/>
-                        </a:rPr>
-                        <a:t>11/11/2024</a:t>
-                      </a:r>
-                    </a:p>
-                  </a:txBody>
-                  <a:tcPr marL="4649" marR="4649" marT="4649" marB="4649" anchor="ctr">
-                    <a:lnL>
-                      <a:noFill/>
-                    </a:lnL>
-                    <a:lnR>
-                      <a:noFill/>
-                    </a:lnR>
-                    <a:lnT>
-                      <a:noFill/>
-                    </a:lnT>
-                    <a:lnB>
-                      <a:noFill/>
-                    </a:lnB>
-                    <a:solidFill>
-                      <a:srgbClr val="FFFFFF"/>
-                    </a:solidFill>
-                  </a:tcPr>
-                </a:tc>
-                <a:tc>
-                  <a:txBody>
-                    <a:bodyPr/>
-                    <a:lstStyle/>
-                    <a:p>
-                      <a:pPr marL="0" marR="0" lvl="0" indent="0" algn="l" defTabSz="914400" rtl="0" eaLnBrk="1" fontAlgn="auto" latinLnBrk="0" hangingPunct="1">
-                        <a:lnSpc>
-                          <a:spcPct val="100000"/>
-                        </a:lnSpc>
-                        <a:spcBef>
-                          <a:spcPts val="0"/>
-                        </a:spcBef>
-                        <a:spcAft>
-                          <a:spcPts val="0"/>
-                        </a:spcAft>
-                        <a:buClrTx/>
-                        <a:buSzTx/>
-                        <a:buFontTx/>
-                        <a:buNone/>
-                        <a:tabLst/>
-                        <a:defRPr/>
-                      </a:pPr>
-                      <a:r>
-                        <a:rPr lang="en-US" sz="1800" dirty="0" err="1">
-                          <a:effectLst/>
-                        </a:rPr>
-                        <a:t>MediaPipe</a:t>
-                      </a:r>
-                      <a:r>
-                        <a:rPr lang="en-US" sz="1800" dirty="0">
-                          <a:effectLst/>
-                        </a:rPr>
-                        <a:t>/SLAM</a:t>
-                      </a:r>
-                    </a:p>
-                  </a:txBody>
-                  <a:tcPr marL="4649" marR="4649" marT="4649" marB="4649" anchor="ctr">
-                    <a:lnL>
-                      <a:noFill/>
-                    </a:lnL>
-                    <a:lnR>
-                      <a:noFill/>
-                    </a:lnR>
-                    <a:lnT>
-                      <a:noFill/>
-                    </a:lnT>
-                    <a:lnB>
-                      <a:noFill/>
-                    </a:lnB>
-                    <a:solidFill>
-                      <a:srgbClr val="FFFFFF"/>
-                    </a:solidFill>
-                  </a:tcPr>
-                </a:tc>
-                <a:tc>
-                  <a:txBody>
-                    <a:bodyPr/>
-                    <a:lstStyle/>
-                    <a:p>
-                      <a:r>
-                        <a:rPr lang="en-US" sz="1800" dirty="0">
-                          <a:effectLst/>
-                        </a:rPr>
-                        <a:t>Group Project work</a:t>
-                      </a:r>
-                    </a:p>
-                  </a:txBody>
-                  <a:tcPr marL="4649" marR="4649" marT="4649" marB="4649" anchor="ctr">
-                    <a:lnL>
-                      <a:noFill/>
-                    </a:lnL>
-                    <a:lnR>
-                      <a:noFill/>
-                    </a:lnR>
-                    <a:lnT>
-                      <a:noFill/>
-                    </a:lnT>
-                    <a:lnB>
-                      <a:noFill/>
-                    </a:lnB>
-                    <a:solidFill>
-                      <a:srgbClr val="FFFFFF"/>
-                    </a:solidFill>
-                  </a:tcPr>
-                </a:tc>
-                <a:tc>
-                  <a:txBody>
-                    <a:bodyPr/>
-                    <a:lstStyle/>
-                    <a:p>
-                      <a:endParaRPr lang="en-US" sz="1800" dirty="0">
-                        <a:effectLst/>
-                      </a:endParaRPr>
-                    </a:p>
-                  </a:txBody>
-                  <a:tcPr marL="4649" marR="4649" marT="4649" marB="4649" anchor="ctr">
-                    <a:lnL>
-                      <a:noFill/>
-                    </a:lnL>
-                    <a:lnR>
-                      <a:noFill/>
-                    </a:lnR>
-                    <a:lnT>
-                      <a:noFill/>
-                    </a:lnT>
-                    <a:lnB>
-                      <a:noFill/>
-                    </a:lnB>
-                    <a:solidFill>
-                      <a:srgbClr val="FFFFFF"/>
-                    </a:solidFill>
-                  </a:tcPr>
-                </a:tc>
-                <a:extLst>
-                  <a:ext uri="{0D108BD9-81ED-4DB2-BD59-A6C34878D82A}">
-                    <a16:rowId xmlns:a16="http://schemas.microsoft.com/office/drawing/2014/main" val="2780081299"/>
-                  </a:ext>
-                </a:extLst>
-              </a:tr>
-              <a:tr h="191244">
-                <a:tc>
-                  <a:txBody>
-                    <a:bodyPr/>
-                    <a:lstStyle/>
-                    <a:p>
-                      <a:r>
-                        <a:rPr lang="en-US" sz="1800">
-                          <a:effectLst/>
-                        </a:rPr>
-                        <a:t> </a:t>
-                      </a:r>
-                    </a:p>
-                  </a:txBody>
-                  <a:tcPr marL="4649" marR="4649" marT="4649" marB="4649" anchor="ctr">
-                    <a:lnL>
-                      <a:noFill/>
-                    </a:lnL>
-                    <a:lnR>
-                      <a:noFill/>
-                    </a:lnR>
-                    <a:lnT>
-                      <a:noFill/>
-                    </a:lnT>
-                    <a:lnB>
-                      <a:noFill/>
-                    </a:lnB>
-                    <a:solidFill>
-                      <a:srgbClr val="FFFFFF"/>
-                    </a:solidFill>
-                  </a:tcPr>
-                </a:tc>
-                <a:tc>
-                  <a:txBody>
-                    <a:bodyPr/>
-                    <a:lstStyle/>
-                    <a:p>
-                      <a:r>
-                        <a:rPr lang="en-US" sz="1800">
-                          <a:effectLst/>
-                        </a:rPr>
-                        <a:t>11/13/2024</a:t>
-                      </a:r>
-                    </a:p>
-                  </a:txBody>
-                  <a:tcPr marL="4649" marR="4649" marT="4649" marB="4649" anchor="ctr">
-                    <a:lnL>
-                      <a:noFill/>
-                    </a:lnL>
-                    <a:lnR>
-                      <a:noFill/>
-                    </a:lnR>
-                    <a:lnT>
-                      <a:noFill/>
-                    </a:lnT>
-                    <a:lnB>
-                      <a:noFill/>
-                    </a:lnB>
-                    <a:solidFill>
-                      <a:srgbClr val="FFFFFF"/>
-                    </a:solidFill>
-                  </a:tcPr>
-                </a:tc>
-                <a:tc>
-                  <a:txBody>
-                    <a:bodyPr/>
-                    <a:lstStyle/>
-                    <a:p>
-                      <a:r>
-                        <a:rPr lang="en-US" sz="1800" dirty="0">
-                          <a:effectLst/>
-                        </a:rPr>
-                        <a:t>OpenCV DNN</a:t>
-                      </a:r>
-                    </a:p>
-                  </a:txBody>
-                  <a:tcPr marL="4649" marR="4649" marT="4649" marB="4649" anchor="ctr">
-                    <a:lnL>
-                      <a:noFill/>
-                    </a:lnL>
-                    <a:lnR>
-                      <a:noFill/>
-                    </a:lnR>
-                    <a:lnT>
-                      <a:noFill/>
-                    </a:lnT>
-                    <a:lnB>
-                      <a:noFill/>
-                    </a:lnB>
-                    <a:solidFill>
-                      <a:srgbClr val="FFFFFF"/>
-                    </a:solidFill>
-                  </a:tcPr>
-                </a:tc>
-                <a:tc>
-                  <a:txBody>
-                    <a:bodyPr/>
-                    <a:lstStyle/>
-                    <a:p>
-                      <a:r>
-                        <a:rPr lang="en-US" sz="1800" dirty="0">
-                          <a:effectLst/>
-                        </a:rPr>
-                        <a:t>Python problems (HW9)</a:t>
-                      </a:r>
-                    </a:p>
-                  </a:txBody>
-                  <a:tcPr marL="4649" marR="4649" marT="4649" marB="4649" anchor="ctr">
-                    <a:lnL>
-                      <a:noFill/>
-                    </a:lnL>
-                    <a:lnR>
-                      <a:noFill/>
-                    </a:lnR>
-                    <a:lnT>
-                      <a:noFill/>
-                    </a:lnT>
-                    <a:lnB>
-                      <a:noFill/>
-                    </a:lnB>
-                    <a:solidFill>
-                      <a:srgbClr val="FFFFFF"/>
-                    </a:solidFill>
-                  </a:tcPr>
-                </a:tc>
-                <a:tc>
-                  <a:txBody>
-                    <a:bodyPr/>
-                    <a:lstStyle/>
-                    <a:p>
-                      <a:r>
-                        <a:rPr lang="en-US" sz="1800" dirty="0">
-                          <a:effectLst/>
-                        </a:rPr>
-                        <a:t>Due 11/20</a:t>
-                      </a:r>
-                    </a:p>
-                  </a:txBody>
-                  <a:tcPr marL="4649" marR="4649" marT="4649" marB="4649" anchor="ctr">
-                    <a:lnL>
-                      <a:noFill/>
-                    </a:lnL>
-                    <a:lnR>
-                      <a:noFill/>
-                    </a:lnR>
-                    <a:lnT>
-                      <a:noFill/>
-                    </a:lnT>
-                    <a:lnB>
-                      <a:noFill/>
-                    </a:lnB>
-                    <a:solidFill>
-                      <a:srgbClr val="FFFFFF"/>
-                    </a:solidFill>
-                  </a:tcPr>
-                </a:tc>
-                <a:extLst>
-                  <a:ext uri="{0D108BD9-81ED-4DB2-BD59-A6C34878D82A}">
-                    <a16:rowId xmlns:a16="http://schemas.microsoft.com/office/drawing/2014/main" val="37833494"/>
-                  </a:ext>
-                </a:extLst>
-              </a:tr>
-              <a:tr h="191244">
-                <a:tc>
-                  <a:txBody>
-                    <a:bodyPr/>
-                    <a:lstStyle/>
-                    <a:p>
-                      <a:r>
-                        <a:rPr lang="en-US" sz="1800">
-                          <a:effectLst/>
-                        </a:rPr>
-                        <a:t>13</a:t>
-                      </a:r>
-                    </a:p>
-                  </a:txBody>
-                  <a:tcPr marL="4649" marR="4649" marT="4649" marB="4649" anchor="ctr">
-                    <a:lnL>
-                      <a:noFill/>
-                    </a:lnL>
-                    <a:lnR>
-                      <a:noFill/>
-                    </a:lnR>
-                    <a:lnT>
-                      <a:noFill/>
-                    </a:lnT>
-                    <a:lnB>
-                      <a:noFill/>
-                    </a:lnB>
-                    <a:solidFill>
-                      <a:srgbClr val="FFFFFF"/>
-                    </a:solidFill>
-                  </a:tcPr>
-                </a:tc>
-                <a:tc>
-                  <a:txBody>
-                    <a:bodyPr/>
-                    <a:lstStyle/>
-                    <a:p>
-                      <a:r>
-                        <a:rPr lang="en-US" sz="1800">
-                          <a:effectLst/>
-                        </a:rPr>
-                        <a:t>11/18/2024</a:t>
-                      </a:r>
-                    </a:p>
-                  </a:txBody>
-                  <a:tcPr marL="4649" marR="4649" marT="4649" marB="4649" anchor="ctr">
-                    <a:lnL>
-                      <a:noFill/>
-                    </a:lnL>
-                    <a:lnR>
-                      <a:noFill/>
-                    </a:lnR>
-                    <a:lnT>
-                      <a:noFill/>
-                    </a:lnT>
-                    <a:lnB>
-                      <a:noFill/>
-                    </a:lnB>
-                    <a:solidFill>
-                      <a:srgbClr val="FFFFFF"/>
-                    </a:solidFill>
-                  </a:tcPr>
-                </a:tc>
-                <a:tc>
-                  <a:txBody>
-                    <a:bodyPr/>
-                    <a:lstStyle/>
-                    <a:p>
-                      <a:pPr marL="0" marR="0" lvl="0" indent="0" algn="l" defTabSz="914400" rtl="0" eaLnBrk="1" fontAlgn="auto" latinLnBrk="0" hangingPunct="1">
-                        <a:lnSpc>
-                          <a:spcPct val="100000"/>
-                        </a:lnSpc>
-                        <a:spcBef>
-                          <a:spcPts val="0"/>
-                        </a:spcBef>
-                        <a:spcAft>
-                          <a:spcPts val="0"/>
-                        </a:spcAft>
-                        <a:buClrTx/>
-                        <a:buSzTx/>
-                        <a:buFontTx/>
-                        <a:buNone/>
-                        <a:tabLst/>
-                        <a:defRPr/>
-                      </a:pPr>
-                      <a:r>
-                        <a:rPr lang="en-US" sz="1800" dirty="0">
-                          <a:effectLst/>
-                        </a:rPr>
-                        <a:t>Super Resolution</a:t>
-                      </a:r>
-                    </a:p>
-                  </a:txBody>
-                  <a:tcPr marL="4649" marR="4649" marT="4649" marB="4649" anchor="ctr">
-                    <a:lnL>
-                      <a:noFill/>
-                    </a:lnL>
-                    <a:lnR>
-                      <a:noFill/>
-                    </a:lnR>
-                    <a:lnT>
-                      <a:noFill/>
-                    </a:lnT>
-                    <a:lnB>
-                      <a:noFill/>
-                    </a:lnB>
-                    <a:solidFill>
-                      <a:srgbClr val="FFFFFF"/>
-                    </a:solidFill>
-                  </a:tcPr>
-                </a:tc>
-                <a:tc>
-                  <a:txBody>
-                    <a:bodyPr/>
-                    <a:lstStyle/>
-                    <a:p>
-                      <a:pPr marL="0" marR="0" lvl="0" indent="0" algn="l" defTabSz="914400" rtl="0" eaLnBrk="1" fontAlgn="auto" latinLnBrk="0" hangingPunct="1">
-                        <a:lnSpc>
-                          <a:spcPct val="100000"/>
-                        </a:lnSpc>
-                        <a:spcBef>
-                          <a:spcPts val="0"/>
-                        </a:spcBef>
-                        <a:spcAft>
-                          <a:spcPts val="0"/>
-                        </a:spcAft>
-                        <a:buClrTx/>
-                        <a:buSzTx/>
-                        <a:buFontTx/>
-                        <a:buNone/>
-                        <a:tabLst/>
-                        <a:defRPr/>
-                      </a:pPr>
-                      <a:r>
-                        <a:rPr lang="en-US" sz="1800" dirty="0">
-                          <a:effectLst/>
-                        </a:rPr>
-                        <a:t>Python problems (HW10)</a:t>
-                      </a:r>
-                    </a:p>
-                  </a:txBody>
-                  <a:tcPr marL="4649" marR="4649" marT="4649" marB="4649" anchor="ctr">
-                    <a:lnL>
-                      <a:noFill/>
-                    </a:lnL>
-                    <a:lnR>
-                      <a:noFill/>
-                    </a:lnR>
-                    <a:lnT>
-                      <a:noFill/>
-                    </a:lnT>
-                    <a:lnB>
-                      <a:noFill/>
-                    </a:lnB>
-                    <a:solidFill>
-                      <a:srgbClr val="FFFFFF"/>
-                    </a:solidFill>
-                  </a:tcPr>
-                </a:tc>
-                <a:tc>
-                  <a:txBody>
-                    <a:bodyPr/>
-                    <a:lstStyle/>
-                    <a:p>
-                      <a:r>
-                        <a:rPr lang="en-US" sz="1800" dirty="0">
-                          <a:effectLst/>
-                        </a:rPr>
-                        <a:t>Due 12/4</a:t>
-                      </a:r>
-                    </a:p>
-                  </a:txBody>
-                  <a:tcPr marL="4649" marR="4649" marT="4649" marB="4649" anchor="ctr">
-                    <a:lnL>
-                      <a:noFill/>
-                    </a:lnL>
-                    <a:lnR>
-                      <a:noFill/>
-                    </a:lnR>
-                    <a:lnT>
-                      <a:noFill/>
-                    </a:lnT>
-                    <a:lnB>
-                      <a:noFill/>
-                    </a:lnB>
-                    <a:solidFill>
-                      <a:srgbClr val="FFFFFF"/>
-                    </a:solidFill>
-                  </a:tcPr>
-                </a:tc>
-                <a:extLst>
-                  <a:ext uri="{0D108BD9-81ED-4DB2-BD59-A6C34878D82A}">
-                    <a16:rowId xmlns:a16="http://schemas.microsoft.com/office/drawing/2014/main" val="320480187"/>
-                  </a:ext>
-                </a:extLst>
-              </a:tr>
-              <a:tr h="191244">
-                <a:tc>
-                  <a:txBody>
-                    <a:bodyPr/>
-                    <a:lstStyle/>
-                    <a:p>
-                      <a:r>
-                        <a:rPr lang="en-US" sz="1800">
-                          <a:effectLst/>
-                        </a:rPr>
-                        <a:t> </a:t>
-                      </a:r>
-                    </a:p>
-                  </a:txBody>
-                  <a:tcPr marL="4649" marR="4649" marT="4649" marB="4649" anchor="ctr">
-                    <a:lnL>
-                      <a:noFill/>
-                    </a:lnL>
-                    <a:lnR>
-                      <a:noFill/>
-                    </a:lnR>
-                    <a:lnT>
-                      <a:noFill/>
-                    </a:lnT>
-                    <a:lnB>
-                      <a:noFill/>
-                    </a:lnB>
-                    <a:solidFill>
-                      <a:srgbClr val="FFFFFF"/>
-                    </a:solidFill>
-                  </a:tcPr>
-                </a:tc>
-                <a:tc>
-                  <a:txBody>
-                    <a:bodyPr/>
-                    <a:lstStyle/>
-                    <a:p>
-                      <a:r>
-                        <a:rPr lang="en-US" sz="1800">
-                          <a:effectLst/>
-                        </a:rPr>
-                        <a:t>11/20/2024</a:t>
-                      </a:r>
-                    </a:p>
-                  </a:txBody>
-                  <a:tcPr marL="4649" marR="4649" marT="4649" marB="4649" anchor="ctr">
-                    <a:lnL>
-                      <a:noFill/>
-                    </a:lnL>
-                    <a:lnR>
-                      <a:noFill/>
-                    </a:lnR>
-                    <a:lnT>
-                      <a:noFill/>
-                    </a:lnT>
-                    <a:lnB>
-                      <a:noFill/>
-                    </a:lnB>
-                    <a:solidFill>
-                      <a:srgbClr val="FFFFFF"/>
-                    </a:solidFill>
-                  </a:tcPr>
-                </a:tc>
-                <a:tc>
-                  <a:txBody>
-                    <a:bodyPr/>
-                    <a:lstStyle/>
-                    <a:p>
-                      <a:pPr marL="0" marR="0" lvl="0" indent="0" algn="l" defTabSz="914400" rtl="0" eaLnBrk="1" fontAlgn="auto" latinLnBrk="0" hangingPunct="1">
-                        <a:lnSpc>
-                          <a:spcPct val="100000"/>
-                        </a:lnSpc>
-                        <a:spcBef>
-                          <a:spcPts val="0"/>
-                        </a:spcBef>
-                        <a:spcAft>
-                          <a:spcPts val="0"/>
-                        </a:spcAft>
-                        <a:buClrTx/>
-                        <a:buSzTx/>
-                        <a:buFontTx/>
-                        <a:buNone/>
-                        <a:tabLst/>
-                        <a:defRPr/>
-                      </a:pPr>
-                      <a:r>
-                        <a:rPr lang="en-US" sz="1800" dirty="0">
-                          <a:effectLst/>
-                        </a:rPr>
-                        <a:t>Image compression</a:t>
-                      </a:r>
-                    </a:p>
-                  </a:txBody>
-                  <a:tcPr marL="4649" marR="4649" marT="4649" marB="4649" anchor="ctr">
-                    <a:lnL>
-                      <a:noFill/>
-                    </a:lnL>
-                    <a:lnR>
-                      <a:noFill/>
-                    </a:lnR>
-                    <a:lnT>
-                      <a:noFill/>
-                    </a:lnT>
-                    <a:lnB>
-                      <a:noFill/>
-                    </a:lnB>
-                    <a:solidFill>
-                      <a:srgbClr val="FFFFFF"/>
-                    </a:solidFill>
-                  </a:tcPr>
-                </a:tc>
-                <a:tc>
-                  <a:txBody>
-                    <a:bodyPr/>
-                    <a:lstStyle/>
-                    <a:p>
-                      <a:r>
-                        <a:rPr lang="en-US" sz="1800" dirty="0">
-                          <a:effectLst/>
-                        </a:rPr>
-                        <a:t>Python problems</a:t>
-                      </a:r>
-                    </a:p>
-                  </a:txBody>
-                  <a:tcPr marL="4649" marR="4649" marT="4649" marB="4649" anchor="ctr">
-                    <a:lnL>
-                      <a:noFill/>
-                    </a:lnL>
-                    <a:lnR>
-                      <a:noFill/>
-                    </a:lnR>
-                    <a:lnT>
-                      <a:noFill/>
-                    </a:lnT>
-                    <a:lnB>
-                      <a:noFill/>
-                    </a:lnB>
-                    <a:solidFill>
-                      <a:srgbClr val="FFFFFF"/>
-                    </a:solidFill>
-                  </a:tcPr>
-                </a:tc>
-                <a:tc>
-                  <a:txBody>
-                    <a:bodyPr/>
-                    <a:lstStyle/>
-                    <a:p>
-                      <a:endParaRPr lang="en-US" sz="1800" dirty="0">
-                        <a:effectLst/>
-                      </a:endParaRPr>
-                    </a:p>
-                  </a:txBody>
-                  <a:tcPr marL="4649" marR="4649" marT="4649" marB="4649" anchor="ctr">
-                    <a:lnL>
-                      <a:noFill/>
-                    </a:lnL>
-                    <a:lnR>
-                      <a:noFill/>
-                    </a:lnR>
-                    <a:lnT>
-                      <a:noFill/>
-                    </a:lnT>
-                    <a:lnB>
-                      <a:noFill/>
-                    </a:lnB>
-                    <a:solidFill>
-                      <a:srgbClr val="FFFFFF"/>
-                    </a:solidFill>
-                  </a:tcPr>
-                </a:tc>
-                <a:extLst>
-                  <a:ext uri="{0D108BD9-81ED-4DB2-BD59-A6C34878D82A}">
-                    <a16:rowId xmlns:a16="http://schemas.microsoft.com/office/drawing/2014/main" val="229511707"/>
-                  </a:ext>
-                </a:extLst>
-              </a:tr>
-              <a:tr h="191244">
-                <a:tc>
-                  <a:txBody>
-                    <a:bodyPr/>
-                    <a:lstStyle/>
-                    <a:p>
-                      <a:r>
-                        <a:rPr lang="en-US" sz="1800">
-                          <a:effectLst/>
-                        </a:rPr>
-                        <a:t>14</a:t>
-                      </a:r>
-                    </a:p>
-                  </a:txBody>
-                  <a:tcPr marL="4649" marR="4649" marT="4649" marB="4649" anchor="ctr">
-                    <a:lnL>
-                      <a:noFill/>
-                    </a:lnL>
-                    <a:lnR>
-                      <a:noFill/>
-                    </a:lnR>
-                    <a:lnT>
-                      <a:noFill/>
-                    </a:lnT>
-                    <a:lnB>
-                      <a:noFill/>
-                    </a:lnB>
-                    <a:solidFill>
-                      <a:srgbClr val="FFFFFF"/>
-                    </a:solidFill>
-                  </a:tcPr>
-                </a:tc>
-                <a:tc>
-                  <a:txBody>
-                    <a:bodyPr/>
-                    <a:lstStyle/>
-                    <a:p>
-                      <a:r>
-                        <a:rPr lang="en-US" sz="1800">
-                          <a:effectLst/>
-                        </a:rPr>
-                        <a:t>11/25/2024</a:t>
-                      </a:r>
-                    </a:p>
-                  </a:txBody>
-                  <a:tcPr marL="4649" marR="4649" marT="4649" marB="4649" anchor="ctr">
-                    <a:lnL>
-                      <a:noFill/>
-                    </a:lnL>
-                    <a:lnR>
-                      <a:noFill/>
-                    </a:lnR>
-                    <a:lnT>
-                      <a:noFill/>
-                    </a:lnT>
-                    <a:lnB>
-                      <a:noFill/>
-                    </a:lnB>
-                    <a:solidFill>
-                      <a:srgbClr val="FFFFFF"/>
-                    </a:solidFill>
-                  </a:tcPr>
-                </a:tc>
-                <a:tc>
-                  <a:txBody>
-                    <a:bodyPr/>
-                    <a:lstStyle/>
-                    <a:p>
-                      <a:r>
-                        <a:rPr lang="en-US" sz="1800" dirty="0">
-                          <a:effectLst/>
-                        </a:rPr>
-                        <a:t>Thanksgiving recess</a:t>
-                      </a:r>
-                    </a:p>
-                  </a:txBody>
-                  <a:tcPr marL="4649" marR="4649" marT="4649" marB="4649" anchor="ctr">
-                    <a:lnL>
-                      <a:noFill/>
-                    </a:lnL>
-                    <a:lnR>
-                      <a:noFill/>
-                    </a:lnR>
-                    <a:lnT>
-                      <a:noFill/>
-                    </a:lnT>
-                    <a:lnB>
-                      <a:noFill/>
-                    </a:lnB>
-                    <a:solidFill>
-                      <a:srgbClr val="FFFFFF"/>
-                    </a:solidFill>
-                  </a:tcPr>
-                </a:tc>
-                <a:tc>
-                  <a:txBody>
-                    <a:bodyPr/>
-                    <a:lstStyle/>
-                    <a:p>
-                      <a:pPr marL="0" marR="0" lvl="0" indent="0" algn="l" defTabSz="914400" rtl="0" eaLnBrk="1" fontAlgn="auto" latinLnBrk="0" hangingPunct="1">
-                        <a:lnSpc>
-                          <a:spcPct val="100000"/>
-                        </a:lnSpc>
-                        <a:spcBef>
-                          <a:spcPts val="0"/>
-                        </a:spcBef>
-                        <a:spcAft>
-                          <a:spcPts val="0"/>
-                        </a:spcAft>
-                        <a:buClrTx/>
-                        <a:buSzTx/>
-                        <a:buFontTx/>
-                        <a:buNone/>
-                        <a:tabLst/>
-                        <a:defRPr/>
-                      </a:pPr>
-                      <a:endParaRPr lang="en-US" sz="1800" dirty="0">
-                        <a:effectLst/>
-                      </a:endParaRPr>
-                    </a:p>
-                  </a:txBody>
-                  <a:tcPr marL="4649" marR="4649" marT="4649" marB="4649" anchor="ctr">
-                    <a:lnL>
-                      <a:noFill/>
-                    </a:lnL>
-                    <a:lnR>
-                      <a:noFill/>
-                    </a:lnR>
-                    <a:lnT>
-                      <a:noFill/>
-                    </a:lnT>
-                    <a:lnB>
-                      <a:noFill/>
-                    </a:lnB>
-                    <a:solidFill>
-                      <a:srgbClr val="FFFFFF"/>
-                    </a:solidFill>
-                  </a:tcPr>
-                </a:tc>
-                <a:tc>
-                  <a:txBody>
-                    <a:bodyPr/>
-                    <a:lstStyle/>
-                    <a:p>
-                      <a:endParaRPr lang="en-US" sz="1800" dirty="0">
-                        <a:effectLst/>
-                      </a:endParaRPr>
-                    </a:p>
-                  </a:txBody>
-                  <a:tcPr marL="4649" marR="4649" marT="4649" marB="4649" anchor="ctr">
-                    <a:lnL>
-                      <a:noFill/>
-                    </a:lnL>
-                    <a:lnR>
-                      <a:noFill/>
-                    </a:lnR>
-                    <a:lnT>
-                      <a:noFill/>
-                    </a:lnT>
-                    <a:lnB>
-                      <a:noFill/>
-                    </a:lnB>
-                    <a:solidFill>
-                      <a:srgbClr val="FFFFFF"/>
-                    </a:solidFill>
-                  </a:tcPr>
-                </a:tc>
-                <a:extLst>
-                  <a:ext uri="{0D108BD9-81ED-4DB2-BD59-A6C34878D82A}">
-                    <a16:rowId xmlns:a16="http://schemas.microsoft.com/office/drawing/2014/main" val="139372814"/>
-                  </a:ext>
-                </a:extLst>
-              </a:tr>
-              <a:tr h="191244">
-                <a:tc>
-                  <a:txBody>
-                    <a:bodyPr/>
-                    <a:lstStyle/>
-                    <a:p>
-                      <a:r>
-                        <a:rPr lang="en-US" sz="1800">
-                          <a:effectLst/>
-                        </a:rPr>
-                        <a:t> </a:t>
-                      </a:r>
-                    </a:p>
-                  </a:txBody>
-                  <a:tcPr marL="4649" marR="4649" marT="4649" marB="4649" anchor="ctr">
-                    <a:lnL>
-                      <a:noFill/>
-                    </a:lnL>
-                    <a:lnR>
-                      <a:noFill/>
-                    </a:lnR>
-                    <a:lnT>
-                      <a:noFill/>
-                    </a:lnT>
-                    <a:lnB>
-                      <a:noFill/>
-                    </a:lnB>
-                    <a:solidFill>
-                      <a:srgbClr val="FFFFFF"/>
-                    </a:solidFill>
-                  </a:tcPr>
-                </a:tc>
-                <a:tc>
-                  <a:txBody>
-                    <a:bodyPr/>
-                    <a:lstStyle/>
-                    <a:p>
-                      <a:r>
-                        <a:rPr lang="en-US" sz="1800">
-                          <a:effectLst/>
-                        </a:rPr>
-                        <a:t>11/27/2024</a:t>
-                      </a:r>
-                    </a:p>
-                  </a:txBody>
-                  <a:tcPr marL="4649" marR="4649" marT="4649" marB="4649" anchor="ctr">
-                    <a:lnL>
-                      <a:noFill/>
-                    </a:lnL>
-                    <a:lnR>
-                      <a:noFill/>
-                    </a:lnR>
-                    <a:lnT>
-                      <a:noFill/>
-                    </a:lnT>
-                    <a:lnB>
-                      <a:noFill/>
-                    </a:lnB>
-                    <a:solidFill>
-                      <a:srgbClr val="FFFFFF"/>
-                    </a:solidFill>
-                  </a:tcPr>
-                </a:tc>
-                <a:tc>
-                  <a:txBody>
-                    <a:bodyPr/>
-                    <a:lstStyle/>
-                    <a:p>
-                      <a:r>
-                        <a:rPr lang="en-US" sz="1800" dirty="0">
-                          <a:effectLst/>
-                        </a:rPr>
-                        <a:t>Thanksgiving recess</a:t>
-                      </a:r>
-                    </a:p>
-                  </a:txBody>
-                  <a:tcPr marL="4649" marR="4649" marT="4649" marB="4649" anchor="ctr">
-                    <a:lnL>
-                      <a:noFill/>
-                    </a:lnL>
-                    <a:lnR>
-                      <a:noFill/>
-                    </a:lnR>
-                    <a:lnT>
-                      <a:noFill/>
-                    </a:lnT>
-                    <a:lnB>
-                      <a:noFill/>
-                    </a:lnB>
-                    <a:solidFill>
-                      <a:srgbClr val="FFFFFF"/>
-                    </a:solidFill>
-                  </a:tcPr>
-                </a:tc>
-                <a:tc>
-                  <a:txBody>
-                    <a:bodyPr/>
-                    <a:lstStyle/>
-                    <a:p>
-                      <a:endParaRPr lang="en-US" sz="1800" dirty="0">
-                        <a:effectLst/>
-                      </a:endParaRPr>
-                    </a:p>
-                  </a:txBody>
-                  <a:tcPr marL="4649" marR="4649" marT="4649" marB="4649" anchor="ctr">
-                    <a:lnL>
-                      <a:noFill/>
-                    </a:lnL>
-                    <a:lnR>
-                      <a:noFill/>
-                    </a:lnR>
-                    <a:lnT>
-                      <a:noFill/>
-                    </a:lnT>
-                    <a:lnB>
-                      <a:noFill/>
-                    </a:lnB>
-                    <a:solidFill>
-                      <a:srgbClr val="FFFFFF"/>
-                    </a:solidFill>
-                  </a:tcPr>
-                </a:tc>
-                <a:tc>
-                  <a:txBody>
-                    <a:bodyPr/>
-                    <a:lstStyle/>
-                    <a:p>
-                      <a:endParaRPr lang="en-US" sz="1800" dirty="0">
-                        <a:effectLst/>
-                      </a:endParaRPr>
-                    </a:p>
-                  </a:txBody>
-                  <a:tcPr marL="4649" marR="4649" marT="4649" marB="4649" anchor="ctr">
-                    <a:lnL>
-                      <a:noFill/>
-                    </a:lnL>
-                    <a:lnR>
-                      <a:noFill/>
-                    </a:lnR>
-                    <a:lnT>
-                      <a:noFill/>
-                    </a:lnT>
-                    <a:lnB>
-                      <a:noFill/>
-                    </a:lnB>
-                    <a:solidFill>
-                      <a:srgbClr val="FFFFFF"/>
-                    </a:solidFill>
-                  </a:tcPr>
-                </a:tc>
-                <a:extLst>
-                  <a:ext uri="{0D108BD9-81ED-4DB2-BD59-A6C34878D82A}">
-                    <a16:rowId xmlns:a16="http://schemas.microsoft.com/office/drawing/2014/main" val="268053897"/>
-                  </a:ext>
-                </a:extLst>
-              </a:tr>
-              <a:tr h="191244">
-                <a:tc>
-                  <a:txBody>
-                    <a:bodyPr/>
-                    <a:lstStyle/>
-                    <a:p>
-                      <a:r>
-                        <a:rPr lang="en-US" sz="1800">
-                          <a:effectLst/>
-                        </a:rPr>
-                        <a:t>15</a:t>
-                      </a:r>
-                    </a:p>
-                  </a:txBody>
-                  <a:tcPr marL="4649" marR="4649" marT="4649" marB="4649" anchor="ctr">
-                    <a:lnL>
-                      <a:noFill/>
-                    </a:lnL>
-                    <a:lnR>
-                      <a:noFill/>
-                    </a:lnR>
-                    <a:lnT>
-                      <a:noFill/>
-                    </a:lnT>
-                    <a:lnB>
-                      <a:noFill/>
-                    </a:lnB>
-                    <a:solidFill>
-                      <a:srgbClr val="FFFFFF"/>
-                    </a:solidFill>
-                  </a:tcPr>
-                </a:tc>
-                <a:tc>
-                  <a:txBody>
-                    <a:bodyPr/>
-                    <a:lstStyle/>
-                    <a:p>
-                      <a:r>
-                        <a:rPr lang="en-US" sz="1800">
-                          <a:effectLst/>
-                        </a:rPr>
-                        <a:t>12/2/2024</a:t>
-                      </a:r>
-                    </a:p>
-                  </a:txBody>
-                  <a:tcPr marL="4649" marR="4649" marT="4649" marB="4649" anchor="ctr">
-                    <a:lnL>
-                      <a:noFill/>
-                    </a:lnL>
-                    <a:lnR>
-                      <a:noFill/>
-                    </a:lnR>
-                    <a:lnT>
-                      <a:noFill/>
-                    </a:lnT>
-                    <a:lnB>
-                      <a:noFill/>
-                    </a:lnB>
-                    <a:solidFill>
-                      <a:srgbClr val="FFFFFF"/>
-                    </a:solidFill>
-                  </a:tcPr>
-                </a:tc>
-                <a:tc>
-                  <a:txBody>
-                    <a:bodyPr/>
-                    <a:lstStyle/>
-                    <a:p>
-                      <a:pPr marL="0" marR="0" lvl="0" indent="0" algn="l" defTabSz="914400" rtl="0" eaLnBrk="1" fontAlgn="auto" latinLnBrk="0" hangingPunct="1">
-                        <a:lnSpc>
-                          <a:spcPct val="100000"/>
-                        </a:lnSpc>
-                        <a:spcBef>
-                          <a:spcPts val="0"/>
-                        </a:spcBef>
-                        <a:spcAft>
-                          <a:spcPts val="0"/>
-                        </a:spcAft>
-                        <a:buClrTx/>
-                        <a:buSzTx/>
-                        <a:buFontTx/>
-                        <a:buNone/>
-                        <a:tabLst/>
-                        <a:defRPr/>
-                      </a:pPr>
-                      <a:r>
-                        <a:rPr lang="en-US" sz="1800" dirty="0">
-                          <a:effectLst/>
-                        </a:rPr>
-                        <a:t>Group Project work</a:t>
-                      </a:r>
-                    </a:p>
-                  </a:txBody>
-                  <a:tcPr marL="4649" marR="4649" marT="4649" marB="4649" anchor="ctr">
-                    <a:lnL>
-                      <a:noFill/>
-                    </a:lnL>
-                    <a:lnR>
-                      <a:noFill/>
-                    </a:lnR>
-                    <a:lnT>
-                      <a:noFill/>
-                    </a:lnT>
-                    <a:lnB>
-                      <a:noFill/>
-                    </a:lnB>
-                    <a:solidFill>
-                      <a:srgbClr val="FFFFFF"/>
-                    </a:solidFill>
-                  </a:tcPr>
-                </a:tc>
-                <a:tc>
-                  <a:txBody>
-                    <a:bodyPr/>
-                    <a:lstStyle/>
-                    <a:p>
-                      <a:pPr marL="0" marR="0" lvl="0" indent="0" algn="l" defTabSz="914400" rtl="0" eaLnBrk="1" fontAlgn="auto" latinLnBrk="0" hangingPunct="1">
-                        <a:lnSpc>
-                          <a:spcPct val="100000"/>
-                        </a:lnSpc>
-                        <a:spcBef>
-                          <a:spcPts val="0"/>
-                        </a:spcBef>
-                        <a:spcAft>
-                          <a:spcPts val="0"/>
-                        </a:spcAft>
-                        <a:buClrTx/>
-                        <a:buSzTx/>
-                        <a:buFontTx/>
-                        <a:buNone/>
-                        <a:tabLst/>
-                        <a:defRPr/>
-                      </a:pPr>
-                      <a:r>
-                        <a:rPr lang="en-US" sz="1800" dirty="0">
-                          <a:effectLst/>
-                        </a:rPr>
-                        <a:t>Group Project work</a:t>
-                      </a:r>
-                    </a:p>
-                  </a:txBody>
-                  <a:tcPr marL="4649" marR="4649" marT="4649" marB="4649" anchor="ctr">
-                    <a:lnL>
-                      <a:noFill/>
-                    </a:lnL>
-                    <a:lnR>
-                      <a:noFill/>
-                    </a:lnR>
-                    <a:lnT>
-                      <a:noFill/>
-                    </a:lnT>
-                    <a:lnB>
-                      <a:noFill/>
-                    </a:lnB>
-                    <a:solidFill>
-                      <a:srgbClr val="FFFFFF"/>
-                    </a:solidFill>
-                  </a:tcPr>
-                </a:tc>
-                <a:tc>
-                  <a:txBody>
-                    <a:bodyPr/>
-                    <a:lstStyle/>
-                    <a:p>
-                      <a:endParaRPr lang="en-US" sz="1800" dirty="0">
-                        <a:effectLst/>
-                      </a:endParaRPr>
-                    </a:p>
-                  </a:txBody>
-                  <a:tcPr marL="4649" marR="4649" marT="4649" marB="4649" anchor="ctr">
-                    <a:lnL>
-                      <a:noFill/>
-                    </a:lnL>
-                    <a:lnR>
-                      <a:noFill/>
-                    </a:lnR>
-                    <a:lnT>
-                      <a:noFill/>
-                    </a:lnT>
-                    <a:lnB>
-                      <a:noFill/>
-                    </a:lnB>
-                    <a:solidFill>
-                      <a:srgbClr val="FFFFFF"/>
-                    </a:solidFill>
-                  </a:tcPr>
-                </a:tc>
-                <a:extLst>
-                  <a:ext uri="{0D108BD9-81ED-4DB2-BD59-A6C34878D82A}">
-                    <a16:rowId xmlns:a16="http://schemas.microsoft.com/office/drawing/2014/main" val="1286783435"/>
-                  </a:ext>
-                </a:extLst>
-              </a:tr>
-              <a:tr h="191244">
-                <a:tc>
-                  <a:txBody>
-                    <a:bodyPr/>
-                    <a:lstStyle/>
-                    <a:p>
-                      <a:r>
-                        <a:rPr lang="en-US" sz="1800">
-                          <a:effectLst/>
-                        </a:rPr>
-                        <a:t> </a:t>
-                      </a:r>
-                    </a:p>
-                  </a:txBody>
-                  <a:tcPr marL="4649" marR="4649" marT="4649" marB="4649" anchor="ctr">
-                    <a:lnL>
-                      <a:noFill/>
-                    </a:lnL>
-                    <a:lnR>
-                      <a:noFill/>
-                    </a:lnR>
-                    <a:lnT>
-                      <a:noFill/>
-                    </a:lnT>
-                    <a:lnB>
-                      <a:noFill/>
-                    </a:lnB>
-                    <a:solidFill>
-                      <a:srgbClr val="FFFFFF"/>
-                    </a:solidFill>
-                  </a:tcPr>
-                </a:tc>
-                <a:tc>
-                  <a:txBody>
-                    <a:bodyPr/>
-                    <a:lstStyle/>
-                    <a:p>
-                      <a:r>
-                        <a:rPr lang="en-US" sz="1800">
-                          <a:effectLst/>
-                        </a:rPr>
-                        <a:t>12/4/2024</a:t>
-                      </a:r>
-                    </a:p>
-                  </a:txBody>
-                  <a:tcPr marL="4649" marR="4649" marT="4649" marB="4649" anchor="ctr">
-                    <a:lnL>
-                      <a:noFill/>
-                    </a:lnL>
-                    <a:lnR>
-                      <a:noFill/>
-                    </a:lnR>
-                    <a:lnT>
-                      <a:noFill/>
-                    </a:lnT>
-                    <a:lnB>
-                      <a:noFill/>
-                    </a:lnB>
-                    <a:solidFill>
-                      <a:srgbClr val="FFFFFF"/>
-                    </a:solidFill>
-                  </a:tcPr>
-                </a:tc>
-                <a:tc>
-                  <a:txBody>
-                    <a:bodyPr/>
-                    <a:lstStyle/>
-                    <a:p>
-                      <a:pPr marL="0" marR="0" lvl="0" indent="0" algn="l" defTabSz="914400" rtl="0" eaLnBrk="1" fontAlgn="auto" latinLnBrk="0" hangingPunct="1">
-                        <a:lnSpc>
-                          <a:spcPct val="100000"/>
-                        </a:lnSpc>
-                        <a:spcBef>
-                          <a:spcPts val="0"/>
-                        </a:spcBef>
-                        <a:spcAft>
-                          <a:spcPts val="0"/>
-                        </a:spcAft>
-                        <a:buClrTx/>
-                        <a:buSzTx/>
-                        <a:buFontTx/>
-                        <a:buNone/>
-                        <a:tabLst/>
-                        <a:defRPr/>
-                      </a:pPr>
-                      <a:r>
-                        <a:rPr lang="en-US" sz="1800" dirty="0">
-                          <a:effectLst/>
-                        </a:rPr>
-                        <a:t>Group Project work</a:t>
-                      </a:r>
-                    </a:p>
-                  </a:txBody>
-                  <a:tcPr marL="4649" marR="4649" marT="4649" marB="4649" anchor="ctr">
-                    <a:lnL>
-                      <a:noFill/>
-                    </a:lnL>
-                    <a:lnR>
-                      <a:noFill/>
-                    </a:lnR>
-                    <a:lnT>
-                      <a:noFill/>
-                    </a:lnT>
-                    <a:lnB>
-                      <a:noFill/>
-                    </a:lnB>
-                    <a:solidFill>
-                      <a:srgbClr val="FFFFFF"/>
-                    </a:solidFill>
-                  </a:tcPr>
-                </a:tc>
-                <a:tc>
-                  <a:txBody>
-                    <a:bodyPr/>
-                    <a:lstStyle/>
-                    <a:p>
-                      <a:r>
-                        <a:rPr lang="en-US" sz="1800" dirty="0">
-                          <a:effectLst/>
-                        </a:rPr>
-                        <a:t>Group Project work</a:t>
-                      </a:r>
-                    </a:p>
-                  </a:txBody>
-                  <a:tcPr marL="4649" marR="4649" marT="4649" marB="4649" anchor="ctr">
-                    <a:lnL>
-                      <a:noFill/>
-                    </a:lnL>
-                    <a:lnR>
-                      <a:noFill/>
-                    </a:lnR>
-                    <a:lnT>
-                      <a:noFill/>
-                    </a:lnT>
-                    <a:lnB>
-                      <a:noFill/>
-                    </a:lnB>
-                    <a:solidFill>
-                      <a:srgbClr val="FFFFFF"/>
-                    </a:solidFill>
-                  </a:tcPr>
-                </a:tc>
-                <a:tc>
-                  <a:txBody>
-                    <a:bodyPr/>
-                    <a:lstStyle/>
-                    <a:p>
-                      <a:r>
-                        <a:rPr lang="en-US" sz="1800" dirty="0">
-                          <a:effectLst/>
-                        </a:rPr>
-                        <a:t>Final project commit</a:t>
-                      </a:r>
-                    </a:p>
-                  </a:txBody>
-                  <a:tcPr marL="4649" marR="4649" marT="4649" marB="4649" anchor="ctr">
-                    <a:lnL>
-                      <a:noFill/>
-                    </a:lnL>
-                    <a:lnR>
-                      <a:noFill/>
-                    </a:lnR>
-                    <a:lnT>
-                      <a:noFill/>
-                    </a:lnT>
-                    <a:lnB>
-                      <a:noFill/>
-                    </a:lnB>
-                    <a:solidFill>
-                      <a:srgbClr val="FFFFFF"/>
-                    </a:solidFill>
-                  </a:tcPr>
-                </a:tc>
-                <a:extLst>
-                  <a:ext uri="{0D108BD9-81ED-4DB2-BD59-A6C34878D82A}">
-                    <a16:rowId xmlns:a16="http://schemas.microsoft.com/office/drawing/2014/main" val="688509921"/>
-                  </a:ext>
-                </a:extLst>
-              </a:tr>
-              <a:tr h="191244">
-                <a:tc>
-                  <a:txBody>
-                    <a:bodyPr/>
-                    <a:lstStyle/>
-                    <a:p>
-                      <a:r>
-                        <a:rPr lang="en-US" sz="1800">
-                          <a:effectLst/>
-                        </a:rPr>
-                        <a:t>16</a:t>
-                      </a:r>
-                    </a:p>
-                  </a:txBody>
-                  <a:tcPr marL="4649" marR="4649" marT="4649" marB="4649" anchor="ctr">
-                    <a:lnL>
-                      <a:noFill/>
-                    </a:lnL>
-                    <a:lnR>
-                      <a:noFill/>
-                    </a:lnR>
-                    <a:lnT>
-                      <a:noFill/>
-                    </a:lnT>
-                    <a:lnB>
-                      <a:noFill/>
-                    </a:lnB>
-                    <a:solidFill>
-                      <a:srgbClr val="FFFFFF"/>
-                    </a:solidFill>
-                  </a:tcPr>
-                </a:tc>
-                <a:tc>
-                  <a:txBody>
-                    <a:bodyPr/>
-                    <a:lstStyle/>
-                    <a:p>
-                      <a:r>
-                        <a:rPr lang="en-US" sz="1800">
-                          <a:effectLst/>
-                        </a:rPr>
-                        <a:t>12/9/2024</a:t>
-                      </a:r>
-                    </a:p>
-                  </a:txBody>
-                  <a:tcPr marL="4649" marR="4649" marT="4649" marB="4649" anchor="ctr">
-                    <a:lnL>
-                      <a:noFill/>
-                    </a:lnL>
-                    <a:lnR>
-                      <a:noFill/>
-                    </a:lnR>
-                    <a:lnT>
-                      <a:noFill/>
-                    </a:lnT>
-                    <a:lnB>
-                      <a:noFill/>
-                    </a:lnB>
-                    <a:solidFill>
-                      <a:srgbClr val="FFFFFF"/>
-                    </a:solidFill>
-                  </a:tcPr>
-                </a:tc>
-                <a:tc>
-                  <a:txBody>
-                    <a:bodyPr/>
-                    <a:lstStyle/>
-                    <a:p>
-                      <a:r>
-                        <a:rPr lang="en-US" sz="1800" dirty="0">
-                          <a:effectLst/>
-                        </a:rPr>
-                        <a:t>Final Projects </a:t>
-                      </a:r>
-                    </a:p>
-                  </a:txBody>
-                  <a:tcPr marL="4649" marR="4649" marT="4649" marB="4649" anchor="ctr">
-                    <a:lnL>
-                      <a:noFill/>
-                    </a:lnL>
-                    <a:lnR>
-                      <a:noFill/>
-                    </a:lnR>
-                    <a:lnT>
-                      <a:noFill/>
-                    </a:lnT>
-                    <a:lnB>
-                      <a:noFill/>
-                    </a:lnB>
-                    <a:solidFill>
-                      <a:srgbClr val="FFFFFF"/>
-                    </a:solidFill>
-                  </a:tcPr>
-                </a:tc>
-                <a:tc>
-                  <a:txBody>
-                    <a:bodyPr/>
-                    <a:lstStyle/>
-                    <a:p>
-                      <a:r>
-                        <a:rPr lang="en-US" sz="1800" dirty="0">
-                          <a:effectLst/>
-                        </a:rPr>
-                        <a:t>Project presentations</a:t>
-                      </a:r>
-                    </a:p>
-                  </a:txBody>
-                  <a:tcPr marL="4649" marR="4649" marT="4649" marB="4649" anchor="ctr">
-                    <a:lnL>
-                      <a:noFill/>
-                    </a:lnL>
-                    <a:lnR>
-                      <a:noFill/>
-                    </a:lnR>
-                    <a:lnT>
-                      <a:noFill/>
-                    </a:lnT>
-                    <a:lnB>
-                      <a:noFill/>
-                    </a:lnB>
-                    <a:solidFill>
-                      <a:srgbClr val="FFFFFF"/>
-                    </a:solidFill>
-                  </a:tcPr>
-                </a:tc>
-                <a:tc>
-                  <a:txBody>
-                    <a:bodyPr/>
-                    <a:lstStyle/>
-                    <a:p>
-                      <a:r>
-                        <a:rPr lang="en-US" sz="1800" dirty="0">
-                          <a:effectLst/>
-                        </a:rPr>
-                        <a:t>Final group ratings</a:t>
-                      </a:r>
-                    </a:p>
-                  </a:txBody>
-                  <a:tcPr marL="4649" marR="4649" marT="4649" marB="4649" anchor="ctr">
-                    <a:lnL>
-                      <a:noFill/>
-                    </a:lnL>
-                    <a:lnR>
-                      <a:noFill/>
-                    </a:lnR>
-                    <a:lnT>
-                      <a:noFill/>
-                    </a:lnT>
-                    <a:lnB>
-                      <a:noFill/>
-                    </a:lnB>
-                    <a:solidFill>
-                      <a:srgbClr val="FFFFFF"/>
-                    </a:solidFill>
-                  </a:tcPr>
-                </a:tc>
-                <a:extLst>
-                  <a:ext uri="{0D108BD9-81ED-4DB2-BD59-A6C34878D82A}">
-                    <a16:rowId xmlns:a16="http://schemas.microsoft.com/office/drawing/2014/main" val="784233871"/>
-                  </a:ext>
-                </a:extLst>
-              </a:tr>
-            </a:tbl>
-          </a:graphicData>
-        </a:graphic>
-      </p:graphicFrame>
-      <p:sp>
-        <p:nvSpPr>
-          <p:cNvPr id="7" name="Title 1">
-            <a:extLst>
-              <a:ext uri="{FF2B5EF4-FFF2-40B4-BE49-F238E27FC236}">
-                <a16:creationId xmlns:a16="http://schemas.microsoft.com/office/drawing/2014/main" id="{116F40BB-A52A-CAE7-E132-D6080FB00DDF}"/>
-              </a:ext>
-            </a:extLst>
-          </p:cNvPr>
-          <p:cNvSpPr>
-            <a:spLocks noGrp="1"/>
-          </p:cNvSpPr>
-          <p:nvPr>
-            <p:ph type="title"/>
-          </p:nvPr>
-        </p:nvSpPr>
-        <p:spPr>
-          <a:xfrm>
-            <a:off x="838200" y="4616"/>
-            <a:ext cx="10515600" cy="1325563"/>
-          </a:xfrm>
-        </p:spPr>
-        <p:txBody>
-          <a:bodyPr/>
-          <a:lstStyle/>
-          <a:p>
-            <a:r>
-              <a:rPr lang="en-US" b="1" dirty="0"/>
-              <a:t>Syllabus</a:t>
-            </a:r>
-          </a:p>
-        </p:txBody>
-      </p:sp>
-    </p:spTree>
-    <p:extLst>
-      <p:ext uri="{BB962C8B-B14F-4D97-AF65-F5344CB8AC3E}">
-        <p14:creationId xmlns:p14="http://schemas.microsoft.com/office/powerpoint/2010/main" val="601069631"/>
-      </p:ext>
-    </p:extLst>
-  </p:cSld>
-  <p:clrMapOvr>
-    <a:masterClrMapping/>
-  </p:clrMapOvr>
-</p:sld>
-</file>
-
-<file path=ppt/slides/slide3.xml><?xml version="1.0" encoding="utf-8"?>
 <p:sld xmlns:a="http://schemas.openxmlformats.org/drawingml/2006/main" xmlns:r="http://schemas.openxmlformats.org/officeDocument/2006/relationships" xmlns:p="http://schemas.openxmlformats.org/presentationml/2006/main">
   <p:cSld>
     <p:spTree>
@@ -25505,7 +21354,7 @@
 </p:sld>
 </file>
 
-<file path=ppt/slides/slide4.xml><?xml version="1.0" encoding="utf-8"?>
+<file path=ppt/slides/slide3.xml><?xml version="1.0" encoding="utf-8"?>
 <p:sld xmlns:a="http://schemas.openxmlformats.org/drawingml/2006/main" xmlns:r="http://schemas.openxmlformats.org/officeDocument/2006/relationships" xmlns:p="http://schemas.openxmlformats.org/presentationml/2006/main">
   <p:cSld>
     <p:spTree>
@@ -25663,7 +21512,7 @@
 </p:sld>
 </file>
 
-<file path=ppt/slides/slide5.xml><?xml version="1.0" encoding="utf-8"?>
+<file path=ppt/slides/slide4.xml><?xml version="1.0" encoding="utf-8"?>
 <p:sld xmlns:a="http://schemas.openxmlformats.org/drawingml/2006/main" xmlns:r="http://schemas.openxmlformats.org/officeDocument/2006/relationships" xmlns:p="http://schemas.openxmlformats.org/presentationml/2006/main">
   <p:cSld>
     <p:spTree>
@@ -27518,8 +23367,8 @@
           </a:p>
         </p:txBody>
       </p:sp>
-      <mc:AlternateContent xmlns:mc="http://schemas.openxmlformats.org/markup-compatibility/2006" xmlns:a14="http://schemas.microsoft.com/office/drawing/2010/main">
-        <mc:Choice Requires="a14">
+      <mc:AlternateContent xmlns:mc="http://schemas.openxmlformats.org/markup-compatibility/2006">
+        <mc:Choice xmlns:a14="http://schemas.microsoft.com/office/drawing/2010/main" Requires="a14">
           <p:sp>
             <p:nvSpPr>
               <p:cNvPr id="20" name="TextBox 19">
@@ -27534,8 +23383,8 @@
             </p:nvSpPr>
             <p:spPr>
               <a:xfrm>
-                <a:off x="1080350" y="2560984"/>
-                <a:ext cx="3272114" cy="606513"/>
+                <a:off x="1305033" y="2662787"/>
+                <a:ext cx="2806987" cy="603114"/>
               </a:xfrm>
               <a:prstGeom prst="rect">
                 <a:avLst/>
@@ -27555,52 +23404,10 @@
                       <m:jc m:val="centerGroup"/>
                     </m:oMathParaPr>
                     <m:oMath xmlns:m="http://schemas.openxmlformats.org/officeDocument/2006/math">
-                      <m:sSup>
-                        <m:sSupPr>
-                          <m:ctrlPr>
-                            <a:rPr lang="en-US" i="1" smtClean="0">
-                              <a:latin typeface="Cambria Math" panose="02040503050406030204" pitchFamily="18" charset="0"/>
-                            </a:rPr>
-                          </m:ctrlPr>
-                        </m:sSupPr>
-                        <m:e>
-                          <m:r>
-                            <m:rPr>
-                              <m:sty m:val="p"/>
-                            </m:rPr>
-                            <a:rPr lang="en-US" i="1">
-                              <a:latin typeface="Cambria Math" panose="02040503050406030204" pitchFamily="18" charset="0"/>
-                              <a:ea typeface="Cambria Math" panose="02040503050406030204" pitchFamily="18" charset="0"/>
-                            </a:rPr>
-                            <m:t>∇</m:t>
-                          </m:r>
-                        </m:e>
-                        <m:sup>
-                          <m:r>
-                            <a:rPr lang="en-US" i="1">
-                              <a:latin typeface="Cambria Math" panose="02040503050406030204" pitchFamily="18" charset="0"/>
-                            </a:rPr>
-                            <m:t>2</m:t>
-                          </m:r>
-                        </m:sup>
-                      </m:sSup>
-                      <m:r>
-                        <a:rPr lang="en-US" i="1" smtClean="0">
-                          <a:latin typeface="Cambria Math" panose="02040503050406030204" pitchFamily="18" charset="0"/>
-                          <a:ea typeface="Cambria Math" panose="02040503050406030204" pitchFamily="18" charset="0"/>
-                        </a:rPr>
-                        <m:t>𝜓</m:t>
-                      </m:r>
-                      <m:r>
-                        <a:rPr lang="en-US" b="0" i="1" smtClean="0">
-                          <a:latin typeface="Cambria Math" panose="02040503050406030204" pitchFamily="18" charset="0"/>
-                        </a:rPr>
-                        <m:t>=</m:t>
-                      </m:r>
                       <m:f>
                         <m:fPr>
                           <m:ctrlPr>
-                            <a:rPr lang="en-US" i="1">
+                            <a:rPr lang="en-US" i="1" smtClean="0">
                               <a:latin typeface="Cambria Math" panose="02040503050406030204" pitchFamily="18" charset="0"/>
                             </a:rPr>
                           </m:ctrlPr>
@@ -27859,8 +23666,52 @@
                           <a:latin typeface="Cambria Math" panose="02040503050406030204" pitchFamily="18" charset="0"/>
                           <a:ea typeface="Cambria Math" panose="02040503050406030204" pitchFamily="18" charset="0"/>
                         </a:rPr>
-                        <m:t>+</m:t>
+                        <m:t>=</m:t>
                       </m:r>
+                      <m:f>
+                        <m:fPr>
+                          <m:ctrlPr>
+                            <a:rPr lang="en-US" i="1">
+                              <a:latin typeface="Cambria Math" panose="02040503050406030204" pitchFamily="18" charset="0"/>
+                            </a:rPr>
+                          </m:ctrlPr>
+                        </m:fPr>
+                        <m:num>
+                          <m:r>
+                            <a:rPr lang="en-US" i="1">
+                              <a:latin typeface="Cambria Math" panose="02040503050406030204" pitchFamily="18" charset="0"/>
+                            </a:rPr>
+                            <m:t>1</m:t>
+                          </m:r>
+                        </m:num>
+                        <m:den>
+                          <m:sSup>
+                            <m:sSupPr>
+                              <m:ctrlPr>
+                                <a:rPr lang="en-US" i="1">
+                                  <a:latin typeface="Cambria Math" panose="02040503050406030204" pitchFamily="18" charset="0"/>
+                                </a:rPr>
+                              </m:ctrlPr>
+                            </m:sSupPr>
+                            <m:e>
+                              <m:r>
+                                <a:rPr lang="en-US" i="1">
+                                  <a:latin typeface="Cambria Math" panose="02040503050406030204" pitchFamily="18" charset="0"/>
+                                </a:rPr>
+                                <m:t>𝑐</m:t>
+                              </m:r>
+                            </m:e>
+                            <m:sup>
+                              <m:r>
+                                <a:rPr lang="en-US" i="1">
+                                  <a:latin typeface="Cambria Math" panose="02040503050406030204" pitchFamily="18" charset="0"/>
+                                </a:rPr>
+                                <m:t>2</m:t>
+                              </m:r>
+                            </m:sup>
+                          </m:sSup>
+                        </m:den>
+                      </m:f>
                       <m:f>
                         <m:fPr>
                           <m:ctrlPr>
@@ -27950,7 +23801,7 @@
             </p:txBody>
           </p:sp>
         </mc:Choice>
-        <mc:Fallback xmlns="">
+        <mc:Fallback>
           <p:sp>
             <p:nvSpPr>
               <p:cNvPr id="20" name="TextBox 19">
@@ -27967,8 +23818,8 @@
             </p:nvSpPr>
             <p:spPr>
               <a:xfrm>
-                <a:off x="1080350" y="2560984"/>
-                <a:ext cx="3272114" cy="606513"/>
+                <a:off x="1305033" y="2662787"/>
+                <a:ext cx="2806987" cy="603114"/>
               </a:xfrm>
               <a:prstGeom prst="rect">
                 <a:avLst/>
@@ -27976,7 +23827,7 @@
               <a:blipFill>
                 <a:blip r:embed="rId7"/>
                 <a:stretch>
-                  <a:fillRect l="-386" r="-1544" b="-12245"/>
+                  <a:fillRect l="-1802" r="-2252" b="-12245"/>
                 </a:stretch>
               </a:blipFill>
             </p:spPr>
@@ -28086,7 +23937,7 @@
 </p:sld>
 </file>
 
-<file path=ppt/slides/slide6.xml><?xml version="1.0" encoding="utf-8"?>
+<file path=ppt/slides/slide5.xml><?xml version="1.0" encoding="utf-8"?>
 <p:sld xmlns:a="http://schemas.openxmlformats.org/drawingml/2006/main" xmlns:r="http://schemas.openxmlformats.org/officeDocument/2006/relationships" xmlns:p="http://schemas.openxmlformats.org/presentationml/2006/main">
   <p:cSld>
     <p:spTree>
@@ -29510,7 +25361,7 @@
 </p:sld>
 </file>
 
-<file path=ppt/slides/slide7.xml><?xml version="1.0" encoding="utf-8"?>
+<file path=ppt/slides/slide6.xml><?xml version="1.0" encoding="utf-8"?>
 <p:sld xmlns:a="http://schemas.openxmlformats.org/drawingml/2006/main" xmlns:r="http://schemas.openxmlformats.org/officeDocument/2006/relationships" xmlns:p="http://schemas.openxmlformats.org/presentationml/2006/main">
   <p:cSld>
     <p:spTree>
@@ -30974,7 +26825,7 @@
 </p:sld>
 </file>
 
-<file path=ppt/slides/slide8.xml><?xml version="1.0" encoding="utf-8"?>
+<file path=ppt/slides/slide7.xml><?xml version="1.0" encoding="utf-8"?>
 <p:sld xmlns:a="http://schemas.openxmlformats.org/drawingml/2006/main" xmlns:r="http://schemas.openxmlformats.org/officeDocument/2006/relationships" xmlns:p="http://schemas.openxmlformats.org/presentationml/2006/main">
   <p:cSld>
     <p:spTree>
@@ -32997,7 +28848,7 @@
 </p:sld>
 </file>
 
-<file path=ppt/slides/slide9.xml><?xml version="1.0" encoding="utf-8"?>
+<file path=ppt/slides/slide8.xml><?xml version="1.0" encoding="utf-8"?>
 <p:sld xmlns:a="http://schemas.openxmlformats.org/drawingml/2006/main" xmlns:r="http://schemas.openxmlformats.org/officeDocument/2006/relationships" xmlns:p="http://schemas.openxmlformats.org/presentationml/2006/main">
   <p:cSld>
     <p:spTree>
@@ -34684,6 +30535,797 @@
 </p:sld>
 </file>
 
+<file path=ppt/slides/slide9.xml><?xml version="1.0" encoding="utf-8"?>
+<p:sld xmlns:a="http://schemas.openxmlformats.org/drawingml/2006/main" xmlns:r="http://schemas.openxmlformats.org/officeDocument/2006/relationships" xmlns:p="http://schemas.openxmlformats.org/presentationml/2006/main">
+  <p:cSld>
+    <p:spTree>
+      <p:nvGrpSpPr>
+        <p:cNvPr id="1" name="">
+          <a:extLst>
+            <a:ext uri="{FF2B5EF4-FFF2-40B4-BE49-F238E27FC236}">
+              <a16:creationId xmlns:a16="http://schemas.microsoft.com/office/drawing/2014/main" id="{C522CEBF-ABB1-AB74-E185-B2BB153EB367}"/>
+            </a:ext>
+          </a:extLst>
+        </p:cNvPr>
+        <p:cNvGrpSpPr/>
+        <p:nvPr/>
+      </p:nvGrpSpPr>
+      <p:grpSpPr>
+        <a:xfrm>
+          <a:off x="0" y="0"/>
+          <a:ext cx="0" cy="0"/>
+          <a:chOff x="0" y="0"/>
+          <a:chExt cx="0" cy="0"/>
+        </a:xfrm>
+      </p:grpSpPr>
+      <p:sp>
+        <p:nvSpPr>
+          <p:cNvPr id="2" name="Title 1">
+            <a:extLst>
+              <a:ext uri="{FF2B5EF4-FFF2-40B4-BE49-F238E27FC236}">
+                <a16:creationId xmlns:a16="http://schemas.microsoft.com/office/drawing/2014/main" id="{B90B38E3-4439-0D9B-7D9E-64DABE7EF541}"/>
+              </a:ext>
+            </a:extLst>
+          </p:cNvPr>
+          <p:cNvSpPr>
+            <a:spLocks noGrp="1"/>
+          </p:cNvSpPr>
+          <p:nvPr>
+            <p:ph type="title"/>
+          </p:nvPr>
+        </p:nvSpPr>
+        <p:spPr/>
+        <p:txBody>
+          <a:bodyPr/>
+          <a:lstStyle/>
+          <a:p>
+            <a:r>
+              <a:rPr lang="en-US" dirty="0"/>
+              <a:t>Fourier Optics</a:t>
+            </a:r>
+          </a:p>
+        </p:txBody>
+      </p:sp>
+      <p:sp>
+        <p:nvSpPr>
+          <p:cNvPr id="5" name="Oval 4">
+            <a:extLst>
+              <a:ext uri="{FF2B5EF4-FFF2-40B4-BE49-F238E27FC236}">
+                <a16:creationId xmlns:a16="http://schemas.microsoft.com/office/drawing/2014/main" id="{7E955BC2-F716-25EC-5A3E-6F4F9176C41E}"/>
+              </a:ext>
+            </a:extLst>
+          </p:cNvPr>
+          <p:cNvSpPr/>
+          <p:nvPr/>
+        </p:nvSpPr>
+        <p:spPr>
+          <a:xfrm>
+            <a:off x="4414952" y="3557545"/>
+            <a:ext cx="449580" cy="2971800"/>
+          </a:xfrm>
+          <a:prstGeom prst="ellipse">
+            <a:avLst/>
+          </a:prstGeom>
+          <a:solidFill>
+            <a:schemeClr val="bg1">
+              <a:lumMod val="75000"/>
+              <a:alpha val="43682"/>
+            </a:schemeClr>
+          </a:solidFill>
+        </p:spPr>
+        <p:style>
+          <a:lnRef idx="2">
+            <a:schemeClr val="accent1">
+              <a:shade val="15000"/>
+            </a:schemeClr>
+          </a:lnRef>
+          <a:fillRef idx="1">
+            <a:schemeClr val="accent1"/>
+          </a:fillRef>
+          <a:effectRef idx="0">
+            <a:schemeClr val="accent1"/>
+          </a:effectRef>
+          <a:fontRef idx="minor">
+            <a:schemeClr val="lt1"/>
+          </a:fontRef>
+        </p:style>
+        <p:txBody>
+          <a:bodyPr rtlCol="0" anchor="ctr"/>
+          <a:lstStyle/>
+          <a:p>
+            <a:pPr algn="ctr"/>
+            <a:endParaRPr lang="en-US" dirty="0"/>
+          </a:p>
+        </p:txBody>
+      </p:sp>
+      <p:cxnSp>
+        <p:nvCxnSpPr>
+          <p:cNvPr id="8" name="Straight Connector 7">
+            <a:extLst>
+              <a:ext uri="{FF2B5EF4-FFF2-40B4-BE49-F238E27FC236}">
+                <a16:creationId xmlns:a16="http://schemas.microsoft.com/office/drawing/2014/main" id="{4DBB4496-268A-36C4-28CD-C25FE477F1C8}"/>
+              </a:ext>
+            </a:extLst>
+          </p:cNvPr>
+          <p:cNvCxnSpPr>
+            <a:cxnSpLocks/>
+          </p:cNvCxnSpPr>
+          <p:nvPr/>
+        </p:nvCxnSpPr>
+        <p:spPr>
+          <a:xfrm>
+            <a:off x="681582" y="5004031"/>
+            <a:ext cx="8958255" cy="0"/>
+          </a:xfrm>
+          <a:prstGeom prst="line">
+            <a:avLst/>
+          </a:prstGeom>
+          <a:ln>
+            <a:solidFill>
+              <a:schemeClr val="tx1"/>
+            </a:solidFill>
+          </a:ln>
+        </p:spPr>
+        <p:style>
+          <a:lnRef idx="2">
+            <a:schemeClr val="accent1"/>
+          </a:lnRef>
+          <a:fillRef idx="0">
+            <a:schemeClr val="accent1"/>
+          </a:fillRef>
+          <a:effectRef idx="1">
+            <a:schemeClr val="accent1"/>
+          </a:effectRef>
+          <a:fontRef idx="minor">
+            <a:schemeClr val="tx1"/>
+          </a:fontRef>
+        </p:style>
+      </p:cxnSp>
+      <p:cxnSp>
+        <p:nvCxnSpPr>
+          <p:cNvPr id="26" name="Straight Arrow Connector 25">
+            <a:extLst>
+              <a:ext uri="{FF2B5EF4-FFF2-40B4-BE49-F238E27FC236}">
+                <a16:creationId xmlns:a16="http://schemas.microsoft.com/office/drawing/2014/main" id="{A5F1B8B7-7068-52DE-46B3-3320F9088FE4}"/>
+              </a:ext>
+            </a:extLst>
+          </p:cNvPr>
+          <p:cNvCxnSpPr>
+            <a:cxnSpLocks/>
+          </p:cNvCxnSpPr>
+          <p:nvPr/>
+        </p:nvCxnSpPr>
+        <p:spPr>
+          <a:xfrm>
+            <a:off x="681582" y="5037898"/>
+            <a:ext cx="3958160" cy="1101899"/>
+          </a:xfrm>
+          <a:prstGeom prst="straightConnector1">
+            <a:avLst/>
+          </a:prstGeom>
+          <a:ln>
+            <a:solidFill>
+              <a:schemeClr val="bg1">
+                <a:lumMod val="50000"/>
+              </a:schemeClr>
+            </a:solidFill>
+            <a:tailEnd type="triangle"/>
+          </a:ln>
+        </p:spPr>
+        <p:style>
+          <a:lnRef idx="2">
+            <a:schemeClr val="accent1"/>
+          </a:lnRef>
+          <a:fillRef idx="0">
+            <a:schemeClr val="accent1"/>
+          </a:fillRef>
+          <a:effectRef idx="1">
+            <a:schemeClr val="accent1"/>
+          </a:effectRef>
+          <a:fontRef idx="minor">
+            <a:schemeClr val="tx1"/>
+          </a:fontRef>
+        </p:style>
+      </p:cxnSp>
+      <p:cxnSp>
+        <p:nvCxnSpPr>
+          <p:cNvPr id="28" name="Straight Arrow Connector 27">
+            <a:extLst>
+              <a:ext uri="{FF2B5EF4-FFF2-40B4-BE49-F238E27FC236}">
+                <a16:creationId xmlns:a16="http://schemas.microsoft.com/office/drawing/2014/main" id="{0C63D9C2-BE25-73D2-A737-76AEB1C6944B}"/>
+              </a:ext>
+            </a:extLst>
+          </p:cNvPr>
+          <p:cNvCxnSpPr>
+            <a:cxnSpLocks/>
+          </p:cNvCxnSpPr>
+          <p:nvPr/>
+        </p:nvCxnSpPr>
+        <p:spPr>
+          <a:xfrm flipV="1">
+            <a:off x="681582" y="4030535"/>
+            <a:ext cx="3958160" cy="972150"/>
+          </a:xfrm>
+          <a:prstGeom prst="straightConnector1">
+            <a:avLst/>
+          </a:prstGeom>
+          <a:ln>
+            <a:solidFill>
+              <a:schemeClr val="bg1">
+                <a:lumMod val="50000"/>
+              </a:schemeClr>
+            </a:solidFill>
+            <a:tailEnd type="triangle"/>
+          </a:ln>
+        </p:spPr>
+        <p:style>
+          <a:lnRef idx="2">
+            <a:schemeClr val="accent1"/>
+          </a:lnRef>
+          <a:fillRef idx="0">
+            <a:schemeClr val="accent1"/>
+          </a:fillRef>
+          <a:effectRef idx="1">
+            <a:schemeClr val="accent1"/>
+          </a:effectRef>
+          <a:fontRef idx="minor">
+            <a:schemeClr val="tx1"/>
+          </a:fontRef>
+        </p:style>
+      </p:cxnSp>
+      <p:cxnSp>
+        <p:nvCxnSpPr>
+          <p:cNvPr id="30" name="Straight Arrow Connector 29">
+            <a:extLst>
+              <a:ext uri="{FF2B5EF4-FFF2-40B4-BE49-F238E27FC236}">
+                <a16:creationId xmlns:a16="http://schemas.microsoft.com/office/drawing/2014/main" id="{12DF599A-7267-1B5D-A331-33EA5481B914}"/>
+              </a:ext>
+            </a:extLst>
+          </p:cNvPr>
+          <p:cNvCxnSpPr>
+            <a:cxnSpLocks/>
+          </p:cNvCxnSpPr>
+          <p:nvPr/>
+        </p:nvCxnSpPr>
+        <p:spPr>
+          <a:xfrm>
+            <a:off x="4639742" y="4038379"/>
+            <a:ext cx="3700583" cy="958971"/>
+          </a:xfrm>
+          <a:prstGeom prst="straightConnector1">
+            <a:avLst/>
+          </a:prstGeom>
+          <a:ln>
+            <a:solidFill>
+              <a:srgbClr val="FF0000"/>
+            </a:solidFill>
+            <a:tailEnd type="triangle"/>
+          </a:ln>
+        </p:spPr>
+        <p:style>
+          <a:lnRef idx="2">
+            <a:schemeClr val="accent1"/>
+          </a:lnRef>
+          <a:fillRef idx="0">
+            <a:schemeClr val="accent1"/>
+          </a:fillRef>
+          <a:effectRef idx="1">
+            <a:schemeClr val="accent1"/>
+          </a:effectRef>
+          <a:fontRef idx="minor">
+            <a:schemeClr val="tx1"/>
+          </a:fontRef>
+        </p:style>
+      </p:cxnSp>
+      <p:cxnSp>
+        <p:nvCxnSpPr>
+          <p:cNvPr id="32" name="Straight Arrow Connector 31">
+            <a:extLst>
+              <a:ext uri="{FF2B5EF4-FFF2-40B4-BE49-F238E27FC236}">
+                <a16:creationId xmlns:a16="http://schemas.microsoft.com/office/drawing/2014/main" id="{CA37D8AF-747B-B81C-7874-1E0757AE27E3}"/>
+              </a:ext>
+            </a:extLst>
+          </p:cNvPr>
+          <p:cNvCxnSpPr>
+            <a:cxnSpLocks/>
+          </p:cNvCxnSpPr>
+          <p:nvPr/>
+        </p:nvCxnSpPr>
+        <p:spPr>
+          <a:xfrm flipV="1">
+            <a:off x="4657424" y="5035988"/>
+            <a:ext cx="3677534" cy="1101542"/>
+          </a:xfrm>
+          <a:prstGeom prst="straightConnector1">
+            <a:avLst/>
+          </a:prstGeom>
+          <a:ln>
+            <a:solidFill>
+              <a:srgbClr val="FF0000"/>
+            </a:solidFill>
+            <a:tailEnd type="triangle"/>
+          </a:ln>
+        </p:spPr>
+        <p:style>
+          <a:lnRef idx="2">
+            <a:schemeClr val="accent1"/>
+          </a:lnRef>
+          <a:fillRef idx="0">
+            <a:schemeClr val="accent1"/>
+          </a:fillRef>
+          <a:effectRef idx="1">
+            <a:schemeClr val="accent1"/>
+          </a:effectRef>
+          <a:fontRef idx="minor">
+            <a:schemeClr val="tx1"/>
+          </a:fontRef>
+        </p:style>
+      </p:cxnSp>
+      <p:cxnSp>
+        <p:nvCxnSpPr>
+          <p:cNvPr id="37" name="Straight Arrow Connector 36">
+            <a:extLst>
+              <a:ext uri="{FF2B5EF4-FFF2-40B4-BE49-F238E27FC236}">
+                <a16:creationId xmlns:a16="http://schemas.microsoft.com/office/drawing/2014/main" id="{CFA1ECDC-1938-EB1D-BD02-B233C859F176}"/>
+              </a:ext>
+            </a:extLst>
+          </p:cNvPr>
+          <p:cNvCxnSpPr>
+            <a:cxnSpLocks/>
+          </p:cNvCxnSpPr>
+          <p:nvPr/>
+        </p:nvCxnSpPr>
+        <p:spPr>
+          <a:xfrm>
+            <a:off x="4604431" y="4012985"/>
+            <a:ext cx="5089657" cy="1651834"/>
+          </a:xfrm>
+          <a:prstGeom prst="straightConnector1">
+            <a:avLst/>
+          </a:prstGeom>
+          <a:ln>
+            <a:solidFill>
+              <a:srgbClr val="0070C0"/>
+            </a:solidFill>
+            <a:tailEnd type="triangle"/>
+          </a:ln>
+        </p:spPr>
+        <p:style>
+          <a:lnRef idx="2">
+            <a:schemeClr val="accent1"/>
+          </a:lnRef>
+          <a:fillRef idx="0">
+            <a:schemeClr val="accent1"/>
+          </a:fillRef>
+          <a:effectRef idx="1">
+            <a:schemeClr val="accent1"/>
+          </a:effectRef>
+          <a:fontRef idx="minor">
+            <a:schemeClr val="tx1"/>
+          </a:fontRef>
+        </p:style>
+      </p:cxnSp>
+      <p:cxnSp>
+        <p:nvCxnSpPr>
+          <p:cNvPr id="38" name="Straight Arrow Connector 37">
+            <a:extLst>
+              <a:ext uri="{FF2B5EF4-FFF2-40B4-BE49-F238E27FC236}">
+                <a16:creationId xmlns:a16="http://schemas.microsoft.com/office/drawing/2014/main" id="{961A9AB2-6109-65CA-2913-64ABFBF56A6A}"/>
+              </a:ext>
+            </a:extLst>
+          </p:cNvPr>
+          <p:cNvCxnSpPr>
+            <a:cxnSpLocks/>
+          </p:cNvCxnSpPr>
+          <p:nvPr/>
+        </p:nvCxnSpPr>
+        <p:spPr>
+          <a:xfrm flipV="1">
+            <a:off x="4639742" y="4413161"/>
+            <a:ext cx="4755396" cy="1707098"/>
+          </a:xfrm>
+          <a:prstGeom prst="straightConnector1">
+            <a:avLst/>
+          </a:prstGeom>
+          <a:ln>
+            <a:solidFill>
+              <a:srgbClr val="0070C0"/>
+            </a:solidFill>
+            <a:tailEnd type="triangle"/>
+          </a:ln>
+        </p:spPr>
+        <p:style>
+          <a:lnRef idx="2">
+            <a:schemeClr val="accent1"/>
+          </a:lnRef>
+          <a:fillRef idx="0">
+            <a:schemeClr val="accent1"/>
+          </a:fillRef>
+          <a:effectRef idx="1">
+            <a:schemeClr val="accent1"/>
+          </a:effectRef>
+          <a:fontRef idx="minor">
+            <a:schemeClr val="tx1"/>
+          </a:fontRef>
+        </p:style>
+      </p:cxnSp>
+      <p:sp>
+        <p:nvSpPr>
+          <p:cNvPr id="44" name="TextBox 43">
+            <a:extLst>
+              <a:ext uri="{FF2B5EF4-FFF2-40B4-BE49-F238E27FC236}">
+                <a16:creationId xmlns:a16="http://schemas.microsoft.com/office/drawing/2014/main" id="{7E699986-579F-7D4E-9EC7-85AC16A34756}"/>
+              </a:ext>
+            </a:extLst>
+          </p:cNvPr>
+          <p:cNvSpPr txBox="1"/>
+          <p:nvPr/>
+        </p:nvSpPr>
+        <p:spPr>
+          <a:xfrm>
+            <a:off x="6740255" y="4005721"/>
+            <a:ext cx="3552447" cy="369332"/>
+          </a:xfrm>
+          <a:prstGeom prst="rect">
+            <a:avLst/>
+          </a:prstGeom>
+          <a:noFill/>
+        </p:spPr>
+        <p:txBody>
+          <a:bodyPr wrap="none" rtlCol="0">
+            <a:spAutoFit/>
+          </a:bodyPr>
+          <a:lstStyle/>
+          <a:p>
+            <a:r>
+              <a:rPr lang="en-US" dirty="0"/>
+              <a:t>Wavelength dependent aberration</a:t>
+            </a:r>
+          </a:p>
+        </p:txBody>
+      </p:sp>
+      <p:sp>
+        <p:nvSpPr>
+          <p:cNvPr id="45" name="Right Brace 44">
+            <a:extLst>
+              <a:ext uri="{FF2B5EF4-FFF2-40B4-BE49-F238E27FC236}">
+                <a16:creationId xmlns:a16="http://schemas.microsoft.com/office/drawing/2014/main" id="{6229FC3D-BBE1-2E64-C28A-423A4676EE96}"/>
+              </a:ext>
+            </a:extLst>
+          </p:cNvPr>
+          <p:cNvSpPr/>
+          <p:nvPr/>
+        </p:nvSpPr>
+        <p:spPr>
+          <a:xfrm rot="16200000">
+            <a:off x="7776572" y="4330198"/>
+            <a:ext cx="566670" cy="695458"/>
+          </a:xfrm>
+          <a:prstGeom prst="rightBrace">
+            <a:avLst/>
+          </a:prstGeom>
+        </p:spPr>
+        <p:style>
+          <a:lnRef idx="2">
+            <a:schemeClr val="accent1"/>
+          </a:lnRef>
+          <a:fillRef idx="0">
+            <a:schemeClr val="accent1"/>
+          </a:fillRef>
+          <a:effectRef idx="1">
+            <a:schemeClr val="accent1"/>
+          </a:effectRef>
+          <a:fontRef idx="minor">
+            <a:schemeClr val="tx1"/>
+          </a:fontRef>
+        </p:style>
+        <p:txBody>
+          <a:bodyPr rtlCol="0" anchor="ctr"/>
+          <a:lstStyle/>
+          <a:p>
+            <a:pPr algn="ctr"/>
+            <a:endParaRPr lang="en-US"/>
+          </a:p>
+        </p:txBody>
+      </p:sp>
+      <p:cxnSp>
+        <p:nvCxnSpPr>
+          <p:cNvPr id="54" name="Straight Arrow Connector 53">
+            <a:extLst>
+              <a:ext uri="{FF2B5EF4-FFF2-40B4-BE49-F238E27FC236}">
+                <a16:creationId xmlns:a16="http://schemas.microsoft.com/office/drawing/2014/main" id="{F5A1E2DC-61B7-EDA2-1929-31675E61655B}"/>
+              </a:ext>
+            </a:extLst>
+          </p:cNvPr>
+          <p:cNvCxnSpPr>
+            <a:cxnSpLocks/>
+          </p:cNvCxnSpPr>
+          <p:nvPr/>
+        </p:nvCxnSpPr>
+        <p:spPr>
+          <a:xfrm>
+            <a:off x="4604431" y="4038379"/>
+            <a:ext cx="5080482" cy="1419746"/>
+          </a:xfrm>
+          <a:prstGeom prst="straightConnector1">
+            <a:avLst/>
+          </a:prstGeom>
+          <a:ln>
+            <a:solidFill>
+              <a:srgbClr val="00B050"/>
+            </a:solidFill>
+            <a:tailEnd type="triangle"/>
+          </a:ln>
+        </p:spPr>
+        <p:style>
+          <a:lnRef idx="2">
+            <a:schemeClr val="accent1"/>
+          </a:lnRef>
+          <a:fillRef idx="0">
+            <a:schemeClr val="accent1"/>
+          </a:fillRef>
+          <a:effectRef idx="1">
+            <a:schemeClr val="accent1"/>
+          </a:effectRef>
+          <a:fontRef idx="minor">
+            <a:schemeClr val="tx1"/>
+          </a:fontRef>
+        </p:style>
+      </p:cxnSp>
+      <p:cxnSp>
+        <p:nvCxnSpPr>
+          <p:cNvPr id="55" name="Straight Arrow Connector 54">
+            <a:extLst>
+              <a:ext uri="{FF2B5EF4-FFF2-40B4-BE49-F238E27FC236}">
+                <a16:creationId xmlns:a16="http://schemas.microsoft.com/office/drawing/2014/main" id="{A810DDC9-CE0E-2329-874C-8FBB8C62ABA4}"/>
+              </a:ext>
+            </a:extLst>
+          </p:cNvPr>
+          <p:cNvCxnSpPr>
+            <a:cxnSpLocks/>
+          </p:cNvCxnSpPr>
+          <p:nvPr/>
+        </p:nvCxnSpPr>
+        <p:spPr>
+          <a:xfrm flipV="1">
+            <a:off x="4657424" y="4586661"/>
+            <a:ext cx="4940662" cy="1505907"/>
+          </a:xfrm>
+          <a:prstGeom prst="straightConnector1">
+            <a:avLst/>
+          </a:prstGeom>
+          <a:ln>
+            <a:solidFill>
+              <a:srgbClr val="00B050"/>
+            </a:solidFill>
+            <a:tailEnd type="triangle"/>
+          </a:ln>
+        </p:spPr>
+        <p:style>
+          <a:lnRef idx="2">
+            <a:schemeClr val="accent1"/>
+          </a:lnRef>
+          <a:fillRef idx="0">
+            <a:schemeClr val="accent1"/>
+          </a:fillRef>
+          <a:effectRef idx="1">
+            <a:schemeClr val="accent1"/>
+          </a:effectRef>
+          <a:fontRef idx="minor">
+            <a:schemeClr val="tx1"/>
+          </a:fontRef>
+        </p:style>
+      </p:cxnSp>
+      <p:cxnSp>
+        <p:nvCxnSpPr>
+          <p:cNvPr id="9" name="Straight Connector 8">
+            <a:extLst>
+              <a:ext uri="{FF2B5EF4-FFF2-40B4-BE49-F238E27FC236}">
+                <a16:creationId xmlns:a16="http://schemas.microsoft.com/office/drawing/2014/main" id="{6267D498-85F9-81F3-9D1C-BF9E51F8DD2C}"/>
+              </a:ext>
+            </a:extLst>
+          </p:cNvPr>
+          <p:cNvCxnSpPr/>
+          <p:nvPr/>
+        </p:nvCxnSpPr>
+        <p:spPr>
+          <a:xfrm>
+            <a:off x="8110793" y="3655746"/>
+            <a:ext cx="45076" cy="2775397"/>
+          </a:xfrm>
+          <a:prstGeom prst="line">
+            <a:avLst/>
+          </a:prstGeom>
+          <a:ln>
+            <a:solidFill>
+              <a:schemeClr val="tx1">
+                <a:lumMod val="65000"/>
+                <a:lumOff val="35000"/>
+              </a:schemeClr>
+            </a:solidFill>
+            <a:prstDash val="sysDot"/>
+          </a:ln>
+        </p:spPr>
+        <p:style>
+          <a:lnRef idx="2">
+            <a:schemeClr val="accent1"/>
+          </a:lnRef>
+          <a:fillRef idx="0">
+            <a:schemeClr val="accent1"/>
+          </a:fillRef>
+          <a:effectRef idx="1">
+            <a:schemeClr val="accent1"/>
+          </a:effectRef>
+          <a:fontRef idx="minor">
+            <a:schemeClr val="tx1"/>
+          </a:fontRef>
+        </p:style>
+      </p:cxnSp>
+      <p:sp>
+        <p:nvSpPr>
+          <p:cNvPr id="22" name="TextBox 21">
+            <a:extLst>
+              <a:ext uri="{FF2B5EF4-FFF2-40B4-BE49-F238E27FC236}">
+                <a16:creationId xmlns:a16="http://schemas.microsoft.com/office/drawing/2014/main" id="{F1BAEB13-E84C-ECD5-188A-2A836AF070EA}"/>
+              </a:ext>
+            </a:extLst>
+          </p:cNvPr>
+          <p:cNvSpPr txBox="1"/>
+          <p:nvPr/>
+        </p:nvSpPr>
+        <p:spPr>
+          <a:xfrm>
+            <a:off x="8850577" y="3653696"/>
+            <a:ext cx="1385316" cy="246221"/>
+          </a:xfrm>
+          <a:prstGeom prst="rect">
+            <a:avLst/>
+          </a:prstGeom>
+          <a:noFill/>
+        </p:spPr>
+        <p:txBody>
+          <a:bodyPr wrap="none" rtlCol="0">
+            <a:spAutoFit/>
+          </a:bodyPr>
+          <a:lstStyle/>
+          <a:p>
+            <a:r>
+              <a:rPr lang="en-US" sz="1000" i="1" dirty="0"/>
+              <a:t>Image from Wikipedia</a:t>
+            </a:r>
+          </a:p>
+        </p:txBody>
+      </p:sp>
+      <p:sp>
+        <p:nvSpPr>
+          <p:cNvPr id="33" name="TextBox 32">
+            <a:extLst>
+              <a:ext uri="{FF2B5EF4-FFF2-40B4-BE49-F238E27FC236}">
+                <a16:creationId xmlns:a16="http://schemas.microsoft.com/office/drawing/2014/main" id="{F7F96D9A-A888-599B-92F9-258D0614FE7F}"/>
+              </a:ext>
+            </a:extLst>
+          </p:cNvPr>
+          <p:cNvSpPr txBox="1"/>
+          <p:nvPr/>
+        </p:nvSpPr>
+        <p:spPr>
+          <a:xfrm>
+            <a:off x="699264" y="1849607"/>
+            <a:ext cx="3073727" cy="461665"/>
+          </a:xfrm>
+          <a:prstGeom prst="rect">
+            <a:avLst/>
+          </a:prstGeom>
+          <a:noFill/>
+        </p:spPr>
+        <p:txBody>
+          <a:bodyPr wrap="none" rtlCol="0">
+            <a:spAutoFit/>
+          </a:bodyPr>
+          <a:lstStyle/>
+          <a:p>
+            <a:r>
+              <a:rPr lang="en-US" sz="2400" dirty="0"/>
+              <a:t>Chromatic aberration</a:t>
+            </a:r>
+          </a:p>
+        </p:txBody>
+      </p:sp>
+      <p:pic>
+        <p:nvPicPr>
+          <p:cNvPr id="7170" name="Picture 2" descr="undefined">
+            <a:extLst>
+              <a:ext uri="{FF2B5EF4-FFF2-40B4-BE49-F238E27FC236}">
+                <a16:creationId xmlns:a16="http://schemas.microsoft.com/office/drawing/2014/main" id="{F7D51880-4A1B-2C1C-48BF-1796F78C5089}"/>
+              </a:ext>
+            </a:extLst>
+          </p:cNvPr>
+          <p:cNvPicPr>
+            <a:picLocks noChangeAspect="1" noChangeArrowheads="1"/>
+          </p:cNvPicPr>
+          <p:nvPr/>
+        </p:nvPicPr>
+        <p:blipFill>
+          <a:blip r:embed="rId2">
+            <a:extLst>
+              <a:ext uri="{28A0092B-C50C-407E-A947-70E740481C1C}">
+                <a14:useLocalDpi xmlns:a14="http://schemas.microsoft.com/office/drawing/2010/main" val="0"/>
+              </a:ext>
+            </a:extLst>
+          </a:blip>
+          <a:srcRect/>
+          <a:stretch>
+            <a:fillRect/>
+          </a:stretch>
+        </p:blipFill>
+        <p:spPr bwMode="auto">
+          <a:xfrm>
+            <a:off x="6490033" y="1130650"/>
+            <a:ext cx="3189228" cy="2555906"/>
+          </a:xfrm>
+          <a:prstGeom prst="rect">
+            <a:avLst/>
+          </a:prstGeom>
+          <a:noFill/>
+          <a:extLst>
+            <a:ext uri="{909E8E84-426E-40DD-AFC4-6F175D3DCCD1}">
+              <a14:hiddenFill xmlns:a14="http://schemas.microsoft.com/office/drawing/2010/main">
+                <a:solidFill>
+                  <a:srgbClr val="FFFFFF"/>
+                </a:solidFill>
+              </a14:hiddenFill>
+            </a:ext>
+          </a:extLst>
+        </p:spPr>
+      </p:pic>
+      <p:sp>
+        <p:nvSpPr>
+          <p:cNvPr id="42" name="TextBox 41">
+            <a:extLst>
+              <a:ext uri="{FF2B5EF4-FFF2-40B4-BE49-F238E27FC236}">
+                <a16:creationId xmlns:a16="http://schemas.microsoft.com/office/drawing/2014/main" id="{876ABB10-B476-DA6F-E40F-90A388D67D2D}"/>
+              </a:ext>
+            </a:extLst>
+          </p:cNvPr>
+          <p:cNvSpPr txBox="1"/>
+          <p:nvPr/>
+        </p:nvSpPr>
+        <p:spPr>
+          <a:xfrm>
+            <a:off x="7416085" y="5688087"/>
+            <a:ext cx="1551259" cy="369332"/>
+          </a:xfrm>
+          <a:prstGeom prst="rect">
+            <a:avLst/>
+          </a:prstGeom>
+          <a:noFill/>
+        </p:spPr>
+        <p:txBody>
+          <a:bodyPr wrap="none" rtlCol="0">
+            <a:spAutoFit/>
+          </a:bodyPr>
+          <a:lstStyle/>
+          <a:p>
+            <a:r>
+              <a:rPr lang="en-US" dirty="0"/>
+              <a:t>V-I-B-G-Y-O-R</a:t>
+            </a:r>
+          </a:p>
+        </p:txBody>
+      </p:sp>
+    </p:spTree>
+    <p:extLst>
+      <p:ext uri="{BB962C8B-B14F-4D97-AF65-F5344CB8AC3E}">
+        <p14:creationId xmlns:p14="http://schemas.microsoft.com/office/powerpoint/2010/main" val="243307363"/>
+      </p:ext>
+    </p:extLst>
+  </p:cSld>
+  <p:clrMapOvr>
+    <a:masterClrMapping/>
+  </p:clrMapOvr>
+</p:sld>
+</file>
+
 <file path=ppt/theme/theme1.xml><?xml version="1.0" encoding="utf-8"?>
 <a:theme xmlns:a="http://schemas.openxmlformats.org/drawingml/2006/main" name="Office Theme">
   <a:themeElements>
